--- a/Sources/Zac Cody TTT PosterWD.pptx
+++ b/Sources/Zac Cody TTT PosterWD.pptx
@@ -141,7 +141,7 @@
   </mc:AlternateContent>
   <c:pivotSource>
     <c:name>[Dobot Trails.xlsx]Sheet5!PivotTable36</c:name>
-    <c:fmtId val="3"/>
+    <c:fmtId val="-1"/>
   </c:pivotSource>
   <c:chart>
     <c:title>
@@ -151,7 +151,7 @@
           <a:lstStyle/>
           <a:p>
             <a:pPr>
-              <a:defRPr sz="1400" b="0" i="0" u="none" strike="noStrike" kern="1200" spc="0" baseline="0">
+              <a:defRPr sz="3600" b="0" i="0" u="none" strike="noStrike" kern="1200" spc="0" baseline="0">
                 <a:solidFill>
                   <a:schemeClr val="tx1">
                     <a:lumMod val="65000"/>
@@ -164,14 +164,9 @@
               </a:defRPr>
             </a:pPr>
             <a:r>
-              <a:rPr lang="en-US"/>
-              <a:t>Total</a:t>
-            </a:r>
-            <a:r>
-              <a:rPr lang="en-US" baseline="0"/>
-              <a:t> Game Outcomes by the Winner</a:t>
-            </a:r>
-            <a:endParaRPr lang="en-US"/>
+              <a:rPr lang="en-US" sz="3600" baseline="0" dirty="0"/>
+              <a:t>Total Game Outcomes by Winner</a:t>
+            </a:r>
           </a:p>
         </c:rich>
       </c:tx>
@@ -188,7 +183,7 @@
         <a:lstStyle/>
         <a:p>
           <a:pPr>
-            <a:defRPr sz="1400" b="0" i="0" u="none" strike="noStrike" kern="1200" spc="0" baseline="0">
+            <a:defRPr sz="3600" b="0" i="0" u="none" strike="noStrike" kern="1200" spc="0" baseline="0">
               <a:solidFill>
                 <a:schemeClr val="tx1">
                   <a:lumMod val="65000"/>
@@ -319,7 +314,7 @@
           </c:val>
           <c:extLst>
             <c:ext xmlns:c16="http://schemas.microsoft.com/office/drawing/2014/chart" uri="{C3380CC4-5D6E-409C-BE32-E72D297353CC}">
-              <c16:uniqueId val="{00000000-4265-4090-8284-6AE47D29E0FD}"/>
+              <c16:uniqueId val="{00000000-3468-4183-98D8-6186D96B155C}"/>
             </c:ext>
           </c:extLst>
         </c:ser>
@@ -365,7 +360,7 @@
           <a:lstStyle/>
           <a:p>
             <a:pPr>
-              <a:defRPr sz="900" b="0" i="0" u="none" strike="noStrike" kern="1200" baseline="0">
+              <a:defRPr sz="3000" b="0" i="0" u="none" strike="noStrike" kern="1200" baseline="0">
                 <a:solidFill>
                   <a:schemeClr val="tx1">
                     <a:lumMod val="65000"/>
@@ -424,7 +419,7 @@
           <a:lstStyle/>
           <a:p>
             <a:pPr>
-              <a:defRPr sz="900" b="0" i="0" u="none" strike="noStrike" kern="1200" baseline="0">
+              <a:defRPr sz="3000" b="0" i="0" u="none" strike="noStrike" kern="1200" baseline="0">
                 <a:solidFill>
                   <a:schemeClr val="tx1">
                     <a:lumMod val="65000"/>
@@ -467,7 +462,7 @@
     <a:lstStyle/>
     <a:p>
       <a:pPr>
-        <a:defRPr/>
+        <a:defRPr sz="1200" baseline="0"/>
       </a:pPr>
       <a:endParaRPr lang="en-US"/>
     </a:p>
@@ -1118,7 +1113,7 @@
           <a:p>
             <a:fld id="{D363F016-229C-42C1-BB9A-17D109E00F9E}" type="datetimeFigureOut">
               <a:rPr lang="en-US" smtClean="0"/>
-              <a:t>4/6/2019</a:t>
+              <a:t>4/7/2019</a:t>
             </a:fld>
             <a:endParaRPr lang="en-US"/>
           </a:p>
@@ -1600,7 +1595,7 @@
           <a:p>
             <a:fld id="{651A4ED9-8B4C-0648-9464-DB0F494C2DC2}" type="datetimeFigureOut">
               <a:rPr lang="en-US" smtClean="0"/>
-              <a:t>4/6/2019</a:t>
+              <a:t>4/7/2019</a:t>
             </a:fld>
             <a:endParaRPr lang="en-US"/>
           </a:p>
@@ -1770,7 +1765,7 @@
           <a:p>
             <a:fld id="{651A4ED9-8B4C-0648-9464-DB0F494C2DC2}" type="datetimeFigureOut">
               <a:rPr lang="en-US" smtClean="0"/>
-              <a:t>4/6/2019</a:t>
+              <a:t>4/7/2019</a:t>
             </a:fld>
             <a:endParaRPr lang="en-US"/>
           </a:p>
@@ -1950,7 +1945,7 @@
           <a:p>
             <a:fld id="{651A4ED9-8B4C-0648-9464-DB0F494C2DC2}" type="datetimeFigureOut">
               <a:rPr lang="en-US" smtClean="0"/>
-              <a:t>4/6/2019</a:t>
+              <a:t>4/7/2019</a:t>
             </a:fld>
             <a:endParaRPr lang="en-US"/>
           </a:p>
@@ -2120,7 +2115,7 @@
           <a:p>
             <a:fld id="{651A4ED9-8B4C-0648-9464-DB0F494C2DC2}" type="datetimeFigureOut">
               <a:rPr lang="en-US" smtClean="0"/>
-              <a:t>4/6/2019</a:t>
+              <a:t>4/7/2019</a:t>
             </a:fld>
             <a:endParaRPr lang="en-US"/>
           </a:p>
@@ -2364,7 +2359,7 @@
           <a:p>
             <a:fld id="{651A4ED9-8B4C-0648-9464-DB0F494C2DC2}" type="datetimeFigureOut">
               <a:rPr lang="en-US" smtClean="0"/>
-              <a:t>4/6/2019</a:t>
+              <a:t>4/7/2019</a:t>
             </a:fld>
             <a:endParaRPr lang="en-US"/>
           </a:p>
@@ -2596,7 +2591,7 @@
           <a:p>
             <a:fld id="{651A4ED9-8B4C-0648-9464-DB0F494C2DC2}" type="datetimeFigureOut">
               <a:rPr lang="en-US" smtClean="0"/>
-              <a:t>4/6/2019</a:t>
+              <a:t>4/7/2019</a:t>
             </a:fld>
             <a:endParaRPr lang="en-US"/>
           </a:p>
@@ -2963,7 +2958,7 @@
           <a:p>
             <a:fld id="{651A4ED9-8B4C-0648-9464-DB0F494C2DC2}" type="datetimeFigureOut">
               <a:rPr lang="en-US" smtClean="0"/>
-              <a:t>4/6/2019</a:t>
+              <a:t>4/7/2019</a:t>
             </a:fld>
             <a:endParaRPr lang="en-US"/>
           </a:p>
@@ -3081,7 +3076,7 @@
           <a:p>
             <a:fld id="{651A4ED9-8B4C-0648-9464-DB0F494C2DC2}" type="datetimeFigureOut">
               <a:rPr lang="en-US" smtClean="0"/>
-              <a:t>4/6/2019</a:t>
+              <a:t>4/7/2019</a:t>
             </a:fld>
             <a:endParaRPr lang="en-US"/>
           </a:p>
@@ -3176,7 +3171,7 @@
           <a:p>
             <a:fld id="{651A4ED9-8B4C-0648-9464-DB0F494C2DC2}" type="datetimeFigureOut">
               <a:rPr lang="en-US" smtClean="0"/>
-              <a:t>4/6/2019</a:t>
+              <a:t>4/7/2019</a:t>
             </a:fld>
             <a:endParaRPr lang="en-US"/>
           </a:p>
@@ -3453,7 +3448,7 @@
           <a:p>
             <a:fld id="{651A4ED9-8B4C-0648-9464-DB0F494C2DC2}" type="datetimeFigureOut">
               <a:rPr lang="en-US" smtClean="0"/>
-              <a:t>4/6/2019</a:t>
+              <a:t>4/7/2019</a:t>
             </a:fld>
             <a:endParaRPr lang="en-US"/>
           </a:p>
@@ -3710,7 +3705,7 @@
           <a:p>
             <a:fld id="{651A4ED9-8B4C-0648-9464-DB0F494C2DC2}" type="datetimeFigureOut">
               <a:rPr lang="en-US" smtClean="0"/>
-              <a:t>4/6/2019</a:t>
+              <a:t>4/7/2019</a:t>
             </a:fld>
             <a:endParaRPr lang="en-US"/>
           </a:p>
@@ -3923,7 +3918,7 @@
           <a:p>
             <a:fld id="{651A4ED9-8B4C-0648-9464-DB0F494C2DC2}" type="datetimeFigureOut">
               <a:rPr lang="en-US" smtClean="0"/>
-              <a:t>4/6/2019</a:t>
+              <a:t>4/7/2019</a:t>
             </a:fld>
             <a:endParaRPr lang="en-US"/>
           </a:p>
@@ -4410,8 +4405,8 @@
         </p:nvSpPr>
         <p:spPr>
           <a:xfrm>
-            <a:off x="2434864" y="4979046"/>
-            <a:ext cx="9250323" cy="6401753"/>
+            <a:off x="1834883" y="4613218"/>
+            <a:ext cx="9250323" cy="4555093"/>
           </a:xfrm>
           <a:prstGeom prst="rect">
             <a:avLst/>
@@ -4436,19 +4431,27 @@
           <a:p>
             <a:pPr algn="ctr"/>
             <a:r>
-              <a:rPr lang="en-US" sz="3600" dirty="0"/>
-              <a:t>We develop a system, using Dobot Magician-robot arm, Pixie2-camera, and a Python- program to play Tic-Tac-Toe with a human player. In our program,  if no motion is detected by the camera, we record current game state. Then the program differentiates between the former and current game state, and chooses an action to be carried out by the robot arm. The game completes when there are no more actions or one of the players reaches a win.</a:t>
-            </a:r>
-            <a:endParaRPr lang="en-US" sz="3600" b="1" dirty="0"/>
-          </a:p>
-        </p:txBody>
-      </p:sp>
-      <p:sp>
-        <p:nvSpPr>
-          <p:cNvPr id="6" name="TextBox 5">
+              <a:rPr lang="en-US" sz="4000" dirty="0"/>
+              <a:t>We develop a system, using </a:t>
+            </a:r>
+            <a:r>
+              <a:rPr lang="en-US" sz="4000" dirty="0" err="1"/>
+              <a:t>Dobot</a:t>
+            </a:r>
+            <a:r>
+              <a:rPr lang="en-US" sz="4000" dirty="0"/>
+              <a:t> Magician (robotic arm), Pixie2 (camera), and Python (program) to play Tic-Tac-Toe with a human player. The game completes when there are no more actions or one of the players reaches a win.</a:t>
+            </a:r>
+            <a:endParaRPr lang="en-US" sz="4000" b="1" dirty="0"/>
+          </a:p>
+        </p:txBody>
+      </p:sp>
+      <p:sp>
+        <p:nvSpPr>
+          <p:cNvPr id="7" name="TextBox 6">
             <a:extLst>
               <a:ext uri="{FF2B5EF4-FFF2-40B4-BE49-F238E27FC236}">
-                <a16:creationId xmlns:a16="http://schemas.microsoft.com/office/drawing/2014/main" id="{F642D85D-538D-C54C-9425-4E8EBE494108}"/>
+                <a16:creationId xmlns:a16="http://schemas.microsoft.com/office/drawing/2014/main" id="{72AB2FA3-3E85-4142-8E50-41940D67D819}"/>
               </a:ext>
             </a:extLst>
           </p:cNvPr>
@@ -4457,8 +4460,8 @@
         </p:nvSpPr>
         <p:spPr>
           <a:xfrm>
-            <a:off x="1834883" y="19458599"/>
-            <a:ext cx="10450284" cy="861774"/>
+            <a:off x="13154841" y="4617218"/>
+            <a:ext cx="9125775" cy="6401753"/>
           </a:xfrm>
           <a:prstGeom prst="rect">
             <a:avLst/>
@@ -4480,14 +4483,21 @@
               <a:t>Methodology</a:t>
             </a:r>
           </a:p>
-        </p:txBody>
-      </p:sp>
-      <p:sp>
-        <p:nvSpPr>
-          <p:cNvPr id="7" name="TextBox 6">
+          <a:p>
+            <a:pPr algn="ctr"/>
+            <a:r>
+              <a:rPr lang="en-US" sz="4000" dirty="0"/>
+              <a:t>Using OpenCV, if no motion is detected by the camera, we record current game state. The program differentiates between the former and current game state, and chooses an action to be carried out by the robot arm. The game logic uses an altered A.I. Algorithm Min/Max, using a heuristic value based on the possible outcomes of the game tree. </a:t>
+            </a:r>
+          </a:p>
+        </p:txBody>
+      </p:sp>
+      <p:sp>
+        <p:nvSpPr>
+          <p:cNvPr id="8" name="TextBox 7">
             <a:extLst>
               <a:ext uri="{FF2B5EF4-FFF2-40B4-BE49-F238E27FC236}">
-                <a16:creationId xmlns:a16="http://schemas.microsoft.com/office/drawing/2014/main" id="{72AB2FA3-3E85-4142-8E50-41940D67D819}"/>
+                <a16:creationId xmlns:a16="http://schemas.microsoft.com/office/drawing/2014/main" id="{98AB3C0C-CC2F-9E4C-958E-746C54220182}"/>
               </a:ext>
             </a:extLst>
           </p:cNvPr>
@@ -4496,8 +4506,8 @@
         </p:nvSpPr>
         <p:spPr>
           <a:xfrm>
-            <a:off x="13662828" y="4976307"/>
-            <a:ext cx="9125775" cy="861774"/>
+            <a:off x="26215323" y="17797313"/>
+            <a:ext cx="9125775" cy="5786199"/>
           </a:xfrm>
           <a:prstGeom prst="rect">
             <a:avLst/>
@@ -4516,17 +4526,43 @@
             <a:pPr algn="ctr"/>
             <a:r>
               <a:rPr lang="en-US" sz="5000" b="1" dirty="0"/>
-              <a:t>Discussion</a:t>
-            </a:r>
-          </a:p>
-        </p:txBody>
-      </p:sp>
-      <p:sp>
-        <p:nvSpPr>
-          <p:cNvPr id="8" name="TextBox 7">
+              <a:t>References</a:t>
+            </a:r>
+          </a:p>
+          <a:p>
+            <a:pPr algn="ctr"/>
+            <a:r>
+              <a:rPr lang="en-US" sz="4000" dirty="0" err="1"/>
+              <a:t>Clederson</a:t>
+            </a:r>
+            <a:r>
+              <a:rPr lang="en-US" sz="4000" dirty="0"/>
+              <a:t> Cruz 2017, “tic-tac-toe-minimax“, Retrieved on 28 March 2019 from https://github.com/Cledersonbc/tic-tac-toe-minimax </a:t>
+            </a:r>
+          </a:p>
+          <a:p>
+            <a:pPr algn="ctr"/>
+            <a:r>
+              <a:rPr lang="en-US" sz="4000" dirty="0"/>
+              <a:t>Al </a:t>
+            </a:r>
+            <a:r>
+              <a:rPr lang="en-US" sz="4000" dirty="0" err="1"/>
+              <a:t>Sweigart</a:t>
+            </a:r>
+            <a:r>
+              <a:rPr lang="en-US" sz="4000" dirty="0"/>
+              <a:t>, “Chapter 10: Tic Tac Toe”, Retrieved on 30 March 2019 from https://inventwithpython.com/chapter10.html</a:t>
+            </a:r>
+          </a:p>
+        </p:txBody>
+      </p:sp>
+      <p:sp>
+        <p:nvSpPr>
+          <p:cNvPr id="10" name="TextBox 9">
             <a:extLst>
               <a:ext uri="{FF2B5EF4-FFF2-40B4-BE49-F238E27FC236}">
-                <a16:creationId xmlns:a16="http://schemas.microsoft.com/office/drawing/2014/main" id="{98AB3C0C-CC2F-9E4C-958E-746C54220182}"/>
+                <a16:creationId xmlns:a16="http://schemas.microsoft.com/office/drawing/2014/main" id="{F23AC28A-D9B8-EC4C-88BE-782BE7810486}"/>
               </a:ext>
             </a:extLst>
           </p:cNvPr>
@@ -4535,8 +4571,80 @@
         </p:nvSpPr>
         <p:spPr>
           <a:xfrm>
-            <a:off x="24890796" y="12696206"/>
-            <a:ext cx="9125775" cy="861774"/>
+            <a:off x="7692997" y="18360124"/>
+            <a:ext cx="9250342" cy="861774"/>
+          </a:xfrm>
+          <a:prstGeom prst="rect">
+            <a:avLst/>
+          </a:prstGeom>
+          <a:noFill/>
+        </p:spPr>
+        <p:txBody>
+          <a:bodyPr wrap="square" rtlCol="0">
+            <a:spAutoFit/>
+          </a:bodyPr>
+          <a:lstStyle/>
+          <a:p>
+            <a:pPr algn="ctr"/>
+            <a:r>
+              <a:rPr lang="en-US" sz="5000" b="1" dirty="0"/>
+              <a:t>Diagrams</a:t>
+            </a:r>
+          </a:p>
+        </p:txBody>
+      </p:sp>
+      <p:sp>
+        <p:nvSpPr>
+          <p:cNvPr id="11" name="TextBox 10">
+            <a:extLst>
+              <a:ext uri="{FF2B5EF4-FFF2-40B4-BE49-F238E27FC236}">
+                <a16:creationId xmlns:a16="http://schemas.microsoft.com/office/drawing/2014/main" id="{4F251B68-B1C6-D14B-B49E-255CBA9E66D5}"/>
+              </a:ext>
+            </a:extLst>
+          </p:cNvPr>
+          <p:cNvSpPr txBox="1"/>
+          <p:nvPr/>
+        </p:nvSpPr>
+        <p:spPr>
+          <a:xfrm>
+            <a:off x="24350251" y="4613218"/>
+            <a:ext cx="9125756" cy="861774"/>
+          </a:xfrm>
+          <a:prstGeom prst="rect">
+            <a:avLst/>
+          </a:prstGeom>
+          <a:noFill/>
+        </p:spPr>
+        <p:txBody>
+          <a:bodyPr wrap="square" rtlCol="0">
+            <a:spAutoFit/>
+          </a:bodyPr>
+          <a:lstStyle/>
+          <a:p>
+            <a:pPr algn="ctr"/>
+            <a:r>
+              <a:rPr lang="en-US" sz="5000" b="1" dirty="0"/>
+              <a:t>Conclusion</a:t>
+            </a:r>
+          </a:p>
+        </p:txBody>
+      </p:sp>
+      <p:sp>
+        <p:nvSpPr>
+          <p:cNvPr id="33" name="TextBox 32">
+            <a:extLst>
+              <a:ext uri="{FF2B5EF4-FFF2-40B4-BE49-F238E27FC236}">
+                <a16:creationId xmlns:a16="http://schemas.microsoft.com/office/drawing/2014/main" id="{34DDAD0F-B5DD-4E46-B176-3DC72C6A5810}"/>
+              </a:ext>
+            </a:extLst>
+          </p:cNvPr>
+          <p:cNvSpPr txBox="1"/>
+          <p:nvPr/>
+        </p:nvSpPr>
+        <p:spPr>
+          <a:xfrm>
+            <a:off x="1234902" y="11585039"/>
+            <a:ext cx="10450284" cy="5786199"/>
           </a:xfrm>
           <a:prstGeom prst="rect">
             <a:avLst/>
@@ -4555,120 +4663,39 @@
             <a:pPr algn="ctr"/>
             <a:r>
               <a:rPr lang="en-US" sz="5000" b="1" dirty="0"/>
-              <a:t>References</a:t>
-            </a:r>
-          </a:p>
-        </p:txBody>
-      </p:sp>
-      <p:sp>
-        <p:nvSpPr>
-          <p:cNvPr id="10" name="TextBox 9">
-            <a:extLst>
-              <a:ext uri="{FF2B5EF4-FFF2-40B4-BE49-F238E27FC236}">
-                <a16:creationId xmlns:a16="http://schemas.microsoft.com/office/drawing/2014/main" id="{F23AC28A-D9B8-EC4C-88BE-782BE7810486}"/>
-              </a:ext>
-            </a:extLst>
-          </p:cNvPr>
-          <p:cNvSpPr txBox="1"/>
-          <p:nvPr/>
-        </p:nvSpPr>
-        <p:spPr>
-          <a:xfrm>
-            <a:off x="13092558" y="19250002"/>
-            <a:ext cx="9250342" cy="861774"/>
-          </a:xfrm>
-          <a:prstGeom prst="rect">
-            <a:avLst/>
-          </a:prstGeom>
-          <a:noFill/>
-        </p:spPr>
-        <p:txBody>
-          <a:bodyPr wrap="square" rtlCol="0">
-            <a:spAutoFit/>
-          </a:bodyPr>
-          <a:lstStyle/>
+              <a:t>Introduction &amp; Motivation</a:t>
+            </a:r>
+          </a:p>
           <a:p>
             <a:pPr algn="ctr"/>
             <a:r>
-              <a:rPr lang="en-US" sz="5000" b="1" dirty="0"/>
-              <a:t>Diagram</a:t>
-            </a:r>
-          </a:p>
-        </p:txBody>
-      </p:sp>
-      <p:sp>
-        <p:nvSpPr>
-          <p:cNvPr id="11" name="TextBox 10">
-            <a:extLst>
-              <a:ext uri="{FF2B5EF4-FFF2-40B4-BE49-F238E27FC236}">
-                <a16:creationId xmlns:a16="http://schemas.microsoft.com/office/drawing/2014/main" id="{4F251B68-B1C6-D14B-B49E-255CBA9E66D5}"/>
-              </a:ext>
-            </a:extLst>
-          </p:cNvPr>
-          <p:cNvSpPr txBox="1"/>
-          <p:nvPr/>
-        </p:nvSpPr>
-        <p:spPr>
-          <a:xfrm>
-            <a:off x="24890815" y="5407194"/>
-            <a:ext cx="9125756" cy="861774"/>
-          </a:xfrm>
-          <a:prstGeom prst="rect">
-            <a:avLst/>
-          </a:prstGeom>
-          <a:noFill/>
-        </p:spPr>
-        <p:txBody>
-          <a:bodyPr wrap="square" rtlCol="0">
-            <a:spAutoFit/>
-          </a:bodyPr>
-          <a:lstStyle/>
-          <a:p>
-            <a:pPr algn="ctr"/>
-            <a:r>
-              <a:rPr lang="en-US" sz="5000" b="1" dirty="0"/>
-              <a:t>Conclusion</a:t>
-            </a:r>
-          </a:p>
-        </p:txBody>
-      </p:sp>
-      <p:sp>
-        <p:nvSpPr>
-          <p:cNvPr id="33" name="TextBox 32">
-            <a:extLst>
-              <a:ext uri="{FF2B5EF4-FFF2-40B4-BE49-F238E27FC236}">
-                <a16:creationId xmlns:a16="http://schemas.microsoft.com/office/drawing/2014/main" id="{34DDAD0F-B5DD-4E46-B176-3DC72C6A5810}"/>
-              </a:ext>
-            </a:extLst>
-          </p:cNvPr>
-          <p:cNvSpPr txBox="1"/>
-          <p:nvPr/>
-        </p:nvSpPr>
-        <p:spPr>
-          <a:xfrm>
-            <a:off x="1834883" y="13127093"/>
-            <a:ext cx="10450284" cy="1754326"/>
-          </a:xfrm>
-          <a:prstGeom prst="rect">
-            <a:avLst/>
-          </a:prstGeom>
-          <a:noFill/>
-          <a:ln>
-            <a:noFill/>
-          </a:ln>
-        </p:spPr>
-        <p:txBody>
-          <a:bodyPr wrap="square" rtlCol="0">
-            <a:spAutoFit/>
-          </a:bodyPr>
-          <a:lstStyle/>
-          <a:p>
-            <a:pPr algn="ctr"/>
-            <a:r>
-              <a:rPr lang="en-US" sz="5400" b="1" dirty="0"/>
-              <a:t>Introduction with research motivation</a:t>
-            </a:r>
-            <a:endParaRPr lang="en-US" sz="5000" b="1" dirty="0"/>
+              <a:rPr lang="en-US" sz="4000" dirty="0"/>
+              <a:t>Our motivation for this project is to assist in the learning of </a:t>
+            </a:r>
+            <a:r>
+              <a:rPr lang="en-US" sz="4000" dirty="0" err="1"/>
+              <a:t>Dobot</a:t>
+            </a:r>
+            <a:r>
+              <a:rPr lang="en-US" sz="4000" dirty="0"/>
+              <a:t> Magician for young minds interested in the field of Robotics. Since </a:t>
+            </a:r>
+            <a:r>
+              <a:rPr lang="en-US" sz="4000" dirty="0" err="1"/>
+              <a:t>Dobot</a:t>
+            </a:r>
+            <a:r>
+              <a:rPr lang="en-US" sz="4000" dirty="0"/>
+              <a:t> Magician is not well documented as a programmable robot, we are determined to acquire information of the use of </a:t>
+            </a:r>
+            <a:r>
+              <a:rPr lang="en-US" sz="4000" dirty="0" err="1"/>
+              <a:t>Dobot</a:t>
+            </a:r>
+            <a:r>
+              <a:rPr lang="en-US" sz="4000" dirty="0"/>
+              <a:t> in this regard. We feel these motivations necessitate the use of Scientific Discovery.</a:t>
+            </a:r>
           </a:p>
         </p:txBody>
       </p:sp>
@@ -4686,7 +4713,7 @@
         </p:nvSpPr>
         <p:spPr>
           <a:xfrm>
-            <a:off x="13092558" y="11862038"/>
+            <a:off x="13154841" y="11585039"/>
             <a:ext cx="9250342" cy="861774"/>
           </a:xfrm>
           <a:prstGeom prst="rect">
@@ -4710,7 +4737,7 @@
       </p:sp>
       <p:pic>
         <p:nvPicPr>
-          <p:cNvPr id="3" name="Picture 2" descr="A screenshot of a cell phone&#10;&#10;Description automatically generated">
+          <p:cNvPr id="12" name="Picture 11" descr="A screenshot of a cell phone&#10;&#10;Description automatically generated">
             <a:extLst>
               <a:ext uri="{FF2B5EF4-FFF2-40B4-BE49-F238E27FC236}">
                 <a16:creationId xmlns:a16="http://schemas.microsoft.com/office/drawing/2014/main" id="{E4129785-30F6-45A1-A4AD-E15A9B0D9A6C}"/>
@@ -4736,7 +4763,7 @@
         </p:blipFill>
         <p:spPr>
           <a:xfrm>
-            <a:off x="601921" y="21555942"/>
+            <a:off x="1234902" y="19787966"/>
             <a:ext cx="11083266" cy="7001928"/>
           </a:xfrm>
           <a:prstGeom prst="rect">
@@ -4759,14 +4786,14 @@
           <p:nvPr>
             <p:extLst>
               <p:ext uri="{D42A27DB-BD31-4B8C-83A1-F6EECF244321}">
-                <p14:modId xmlns:p14="http://schemas.microsoft.com/office/powerpoint/2010/main" val="3168349012"/>
+                <p14:modId xmlns:p14="http://schemas.microsoft.com/office/powerpoint/2010/main" val="428433456"/>
               </p:ext>
             </p:extLst>
           </p:nvPr>
         </p:nvGraphicFramePr>
         <p:xfrm>
-          <a:off x="25683882" y="23681097"/>
-          <a:ext cx="5029201" cy="2305757"/>
+          <a:off x="13154841" y="19787966"/>
+          <a:ext cx="12673425" cy="7585815"/>
         </p:xfrm>
         <a:graphic>
           <a:graphicData uri="http://schemas.openxmlformats.org/drawingml/2006/chart">
@@ -4774,49 +4801,6 @@
           </a:graphicData>
         </a:graphic>
       </p:graphicFrame>
-      <p:sp>
-        <p:nvSpPr>
-          <p:cNvPr id="9" name="TextBox 8">
-            <a:extLst>
-              <a:ext uri="{FF2B5EF4-FFF2-40B4-BE49-F238E27FC236}">
-                <a16:creationId xmlns:a16="http://schemas.microsoft.com/office/drawing/2014/main" id="{9B005576-3659-4F44-BDCC-9FFD7AA77B41}"/>
-              </a:ext>
-            </a:extLst>
-          </p:cNvPr>
-          <p:cNvSpPr txBox="1"/>
-          <p:nvPr/>
-        </p:nvSpPr>
-        <p:spPr>
-          <a:xfrm>
-            <a:off x="15983712" y="22530816"/>
-            <a:ext cx="5029201" cy="1077218"/>
-          </a:xfrm>
-          <a:prstGeom prst="rect">
-            <a:avLst/>
-          </a:prstGeom>
-          <a:noFill/>
-        </p:spPr>
-        <p:txBody>
-          <a:bodyPr wrap="square" rtlCol="0">
-            <a:spAutoFit/>
-          </a:bodyPr>
-          <a:lstStyle/>
-          <a:p>
-            <a:r>
-              <a:rPr lang="en-US" sz="3200" i="1" dirty="0"/>
-              <a:t>Dobot </a:t>
-            </a:r>
-            <a:r>
-              <a:rPr lang="en-US" sz="3200" i="1"/>
-              <a:t>was 98% </a:t>
-            </a:r>
-            <a:r>
-              <a:rPr lang="en-US" sz="3200" i="1" dirty="0"/>
-              <a:t>accurate in all trails</a:t>
-            </a:r>
-          </a:p>
-        </p:txBody>
-      </p:sp>
     </p:spTree>
     <p:extLst>
       <p:ext uri="{BB962C8B-B14F-4D97-AF65-F5344CB8AC3E}">

--- a/Sources/Zac Cody TTT PosterWD.pptx
+++ b/Sources/Zac Cody TTT PosterWD.pptx
@@ -4506,7 +4506,7 @@
         </p:nvSpPr>
         <p:spPr>
           <a:xfrm>
-            <a:off x="26215323" y="17797313"/>
+            <a:off x="26664939" y="18659087"/>
             <a:ext cx="9125775" cy="5786199"/>
           </a:xfrm>
           <a:prstGeom prst="rect">
@@ -4571,7 +4571,7 @@
         </p:nvSpPr>
         <p:spPr>
           <a:xfrm>
-            <a:off x="7692997" y="18360124"/>
+            <a:off x="7692997" y="17797313"/>
             <a:ext cx="9250342" cy="861774"/>
           </a:xfrm>
           <a:prstGeom prst="rect">
@@ -4607,7 +4607,7 @@
         </p:nvSpPr>
         <p:spPr>
           <a:xfrm>
-            <a:off x="24350251" y="4613218"/>
+            <a:off x="25015398" y="10157197"/>
             <a:ext cx="9125756" cy="861774"/>
           </a:xfrm>
           <a:prstGeom prst="rect">
@@ -4763,7 +4763,7 @@
         </p:blipFill>
         <p:spPr>
           <a:xfrm>
-            <a:off x="1234902" y="19787966"/>
+            <a:off x="1234902" y="19220774"/>
             <a:ext cx="11083266" cy="7001928"/>
           </a:xfrm>
           <a:prstGeom prst="rect">
@@ -4786,13 +4786,13 @@
           <p:nvPr>
             <p:extLst>
               <p:ext uri="{D42A27DB-BD31-4B8C-83A1-F6EECF244321}">
-                <p14:modId xmlns:p14="http://schemas.microsoft.com/office/powerpoint/2010/main" val="428433456"/>
+                <p14:modId xmlns:p14="http://schemas.microsoft.com/office/powerpoint/2010/main" val="3129143186"/>
               </p:ext>
             </p:extLst>
           </p:nvPr>
         </p:nvGraphicFramePr>
         <p:xfrm>
-          <a:off x="13154841" y="19787966"/>
+          <a:off x="13154841" y="18813824"/>
           <a:ext cx="12673425" cy="7585815"/>
         </p:xfrm>
         <a:graphic>
@@ -4801,6 +4801,184 @@
           </a:graphicData>
         </a:graphic>
       </p:graphicFrame>
+      <p:sp>
+        <p:nvSpPr>
+          <p:cNvPr id="14" name="TextBox 13">
+            <a:extLst>
+              <a:ext uri="{FF2B5EF4-FFF2-40B4-BE49-F238E27FC236}">
+                <a16:creationId xmlns:a16="http://schemas.microsoft.com/office/drawing/2014/main" id="{5CB8319F-2874-496E-954F-3C5E921D9C2E}"/>
+              </a:ext>
+            </a:extLst>
+          </p:cNvPr>
+          <p:cNvSpPr txBox="1"/>
+          <p:nvPr/>
+        </p:nvSpPr>
+        <p:spPr>
+          <a:xfrm>
+            <a:off x="2937753" y="26398489"/>
+            <a:ext cx="7431932" cy="1569660"/>
+          </a:xfrm>
+          <a:prstGeom prst="rect">
+            <a:avLst/>
+          </a:prstGeom>
+          <a:noFill/>
+        </p:spPr>
+        <p:txBody>
+          <a:bodyPr wrap="square" rtlCol="0">
+            <a:spAutoFit/>
+          </a:bodyPr>
+          <a:lstStyle/>
+          <a:p>
+            <a:r>
+              <a:rPr lang="en-US" sz="2400" i="1" dirty="0"/>
+              <a:t>Our algorithm takes the current state and tries  all possible moves to find the best move from this state. The best move is found by a score that increase if the next possible state includes a win and vise versa if there is a loss.</a:t>
+            </a:r>
+          </a:p>
+        </p:txBody>
+      </p:sp>
+      <p:sp>
+        <p:nvSpPr>
+          <p:cNvPr id="15" name="TextBox 14">
+            <a:extLst>
+              <a:ext uri="{FF2B5EF4-FFF2-40B4-BE49-F238E27FC236}">
+                <a16:creationId xmlns:a16="http://schemas.microsoft.com/office/drawing/2014/main" id="{B6275A1E-B79C-48EA-A6B0-D42A8CDC5753}"/>
+              </a:ext>
+            </a:extLst>
+          </p:cNvPr>
+          <p:cNvSpPr txBox="1"/>
+          <p:nvPr/>
+        </p:nvSpPr>
+        <p:spPr>
+          <a:xfrm>
+            <a:off x="15775587" y="26656516"/>
+            <a:ext cx="7431932" cy="1384995"/>
+          </a:xfrm>
+          <a:prstGeom prst="rect">
+            <a:avLst/>
+          </a:prstGeom>
+          <a:noFill/>
+        </p:spPr>
+        <p:txBody>
+          <a:bodyPr wrap="square" rtlCol="0">
+            <a:spAutoFit/>
+          </a:bodyPr>
+          <a:lstStyle/>
+          <a:p>
+            <a:r>
+              <a:rPr lang="en-US" sz="2800" i="1" dirty="0"/>
+              <a:t>Due to randomness in the first move placed by Dobot has still “won” 87% of the games it has played.</a:t>
+            </a:r>
+          </a:p>
+        </p:txBody>
+      </p:sp>
+      <p:pic>
+        <p:nvPicPr>
+          <p:cNvPr id="3" name="Picture 2">
+            <a:extLst>
+              <a:ext uri="{FF2B5EF4-FFF2-40B4-BE49-F238E27FC236}">
+                <a16:creationId xmlns:a16="http://schemas.microsoft.com/office/drawing/2014/main" id="{75B661CE-575D-4027-A96B-2C3853CD9873}"/>
+              </a:ext>
+            </a:extLst>
+          </p:cNvPr>
+          <p:cNvPicPr>
+            <a:picLocks noChangeAspect="1"/>
+          </p:cNvPicPr>
+          <p:nvPr/>
+        </p:nvPicPr>
+        <p:blipFill>
+          <a:blip r:embed="rId5">
+            <a:extLst>
+              <a:ext uri="{28A0092B-C50C-407E-A947-70E740481C1C}">
+                <a14:useLocalDpi xmlns:a14="http://schemas.microsoft.com/office/drawing/2010/main" val="0"/>
+              </a:ext>
+            </a:extLst>
+          </a:blip>
+          <a:stretch>
+            <a:fillRect/>
+          </a:stretch>
+        </p:blipFill>
+        <p:spPr>
+          <a:xfrm>
+            <a:off x="26664939" y="24868670"/>
+            <a:ext cx="2189461" cy="2189461"/>
+          </a:xfrm>
+          <a:prstGeom prst="rect">
+            <a:avLst/>
+          </a:prstGeom>
+        </p:spPr>
+      </p:pic>
+      <p:pic>
+        <p:nvPicPr>
+          <p:cNvPr id="9" name="Picture 8">
+            <a:extLst>
+              <a:ext uri="{FF2B5EF4-FFF2-40B4-BE49-F238E27FC236}">
+                <a16:creationId xmlns:a16="http://schemas.microsoft.com/office/drawing/2014/main" id="{794F70DD-82BB-4BCA-BB80-108C18486D3E}"/>
+              </a:ext>
+            </a:extLst>
+          </p:cNvPr>
+          <p:cNvPicPr>
+            <a:picLocks noChangeAspect="1"/>
+          </p:cNvPicPr>
+          <p:nvPr/>
+        </p:nvPicPr>
+        <p:blipFill>
+          <a:blip r:embed="rId6">
+            <a:extLst>
+              <a:ext uri="{28A0092B-C50C-407E-A947-70E740481C1C}">
+                <a14:useLocalDpi xmlns:a14="http://schemas.microsoft.com/office/drawing/2010/main" val="0"/>
+              </a:ext>
+            </a:extLst>
+          </a:blip>
+          <a:stretch>
+            <a:fillRect/>
+          </a:stretch>
+        </p:blipFill>
+        <p:spPr>
+          <a:xfrm>
+            <a:off x="29019798" y="24629900"/>
+            <a:ext cx="2667000" cy="2667000"/>
+          </a:xfrm>
+          <a:prstGeom prst="rect">
+            <a:avLst/>
+          </a:prstGeom>
+        </p:spPr>
+      </p:pic>
+      <p:pic>
+        <p:nvPicPr>
+          <p:cNvPr id="17" name="Picture 16">
+            <a:extLst>
+              <a:ext uri="{FF2B5EF4-FFF2-40B4-BE49-F238E27FC236}">
+                <a16:creationId xmlns:a16="http://schemas.microsoft.com/office/drawing/2014/main" id="{BEA9944F-B322-4B8D-AB08-CEB59274AF9B}"/>
+              </a:ext>
+            </a:extLst>
+          </p:cNvPr>
+          <p:cNvPicPr>
+            <a:picLocks noChangeAspect="1"/>
+          </p:cNvPicPr>
+          <p:nvPr/>
+        </p:nvPicPr>
+        <p:blipFill>
+          <a:blip r:embed="rId7">
+            <a:extLst>
+              <a:ext uri="{28A0092B-C50C-407E-A947-70E740481C1C}">
+                <a14:useLocalDpi xmlns:a14="http://schemas.microsoft.com/office/drawing/2010/main" val="0"/>
+              </a:ext>
+            </a:extLst>
+          </a:blip>
+          <a:stretch>
+            <a:fillRect/>
+          </a:stretch>
+        </p:blipFill>
+        <p:spPr>
+          <a:xfrm>
+            <a:off x="31852196" y="25451045"/>
+            <a:ext cx="4048125" cy="1079500"/>
+          </a:xfrm>
+          <a:prstGeom prst="rect">
+            <a:avLst/>
+          </a:prstGeom>
+        </p:spPr>
+      </p:pic>
     </p:spTree>
     <p:extLst>
       <p:ext uri="{BB962C8B-B14F-4D97-AF65-F5344CB8AC3E}">

--- a/Sources/Zac Cody TTT PosterWD.pptx
+++ b/Sources/Zac Cody TTT PosterWD.pptx
@@ -139,114 +139,8 @@
       <c:style val="2"/>
     </mc:Fallback>
   </mc:AlternateContent>
-  <c:pivotSource>
-    <c:name>[Dobot Trails.xlsx]Sheet5!PivotTable36</c:name>
-    <c:fmtId val="-1"/>
-  </c:pivotSource>
   <c:chart>
-    <c:title>
-      <c:tx>
-        <c:rich>
-          <a:bodyPr rot="0" spcFirstLastPara="1" vertOverflow="ellipsis" vert="horz" wrap="square" anchor="ctr" anchorCtr="1"/>
-          <a:lstStyle/>
-          <a:p>
-            <a:pPr>
-              <a:defRPr sz="3600" b="0" i="0" u="none" strike="noStrike" kern="1200" spc="0" baseline="0">
-                <a:solidFill>
-                  <a:schemeClr val="tx1">
-                    <a:lumMod val="65000"/>
-                    <a:lumOff val="35000"/>
-                  </a:schemeClr>
-                </a:solidFill>
-                <a:latin typeface="+mn-lt"/>
-                <a:ea typeface="+mn-ea"/>
-                <a:cs typeface="+mn-cs"/>
-              </a:defRPr>
-            </a:pPr>
-            <a:r>
-              <a:rPr lang="en-US" sz="3600" baseline="0" dirty="0"/>
-              <a:t>Total Game Outcomes by Winner</a:t>
-            </a:r>
-          </a:p>
-        </c:rich>
-      </c:tx>
-      <c:overlay val="0"/>
-      <c:spPr>
-        <a:noFill/>
-        <a:ln>
-          <a:noFill/>
-        </a:ln>
-        <a:effectLst/>
-      </c:spPr>
-      <c:txPr>
-        <a:bodyPr rot="0" spcFirstLastPara="1" vertOverflow="ellipsis" vert="horz" wrap="square" anchor="ctr" anchorCtr="1"/>
-        <a:lstStyle/>
-        <a:p>
-          <a:pPr>
-            <a:defRPr sz="3600" b="0" i="0" u="none" strike="noStrike" kern="1200" spc="0" baseline="0">
-              <a:solidFill>
-                <a:schemeClr val="tx1">
-                  <a:lumMod val="65000"/>
-                  <a:lumOff val="35000"/>
-                </a:schemeClr>
-              </a:solidFill>
-              <a:latin typeface="+mn-lt"/>
-              <a:ea typeface="+mn-ea"/>
-              <a:cs typeface="+mn-cs"/>
-            </a:defRPr>
-          </a:pPr>
-          <a:endParaRPr lang="en-US"/>
-        </a:p>
-      </c:txPr>
-    </c:title>
-    <c:autoTitleDeleted val="0"/>
-    <c:pivotFmts>
-      <c:pivotFmt>
-        <c:idx val="0"/>
-        <c:spPr>
-          <a:solidFill>
-            <a:schemeClr val="accent1"/>
-          </a:solidFill>
-          <a:ln>
-            <a:noFill/>
-          </a:ln>
-          <a:effectLst/>
-        </c:spPr>
-        <c:marker>
-          <c:symbol val="none"/>
-        </c:marker>
-      </c:pivotFmt>
-      <c:pivotFmt>
-        <c:idx val="1"/>
-        <c:spPr>
-          <a:solidFill>
-            <a:schemeClr val="accent1"/>
-          </a:solidFill>
-          <a:ln>
-            <a:noFill/>
-          </a:ln>
-          <a:effectLst/>
-        </c:spPr>
-        <c:marker>
-          <c:symbol val="none"/>
-        </c:marker>
-      </c:pivotFmt>
-      <c:pivotFmt>
-        <c:idx val="2"/>
-        <c:spPr>
-          <a:solidFill>
-            <a:schemeClr val="accent1"/>
-          </a:solidFill>
-          <a:ln>
-            <a:noFill/>
-          </a:ln>
-          <a:effectLst/>
-        </c:spPr>
-        <c:marker>
-          <c:symbol val="none"/>
-        </c:marker>
-      </c:pivotFmt>
-    </c:pivotFmts>
+    <c:autoTitleDeleted val="1"/>
     <c:plotArea>
       <c:layout/>
       <c:barChart>
@@ -258,11 +152,11 @@
           <c:order val="0"/>
           <c:tx>
             <c:strRef>
-              <c:f>Sheet5!$C$3</c:f>
+              <c:f>Sheet2!$E$3</c:f>
               <c:strCache>
                 <c:ptCount val="1"/>
                 <c:pt idx="0">
-                  <c:v>Total</c:v>
+                  <c:v>Dobot</c:v>
                 </c:pt>
               </c:strCache>
             </c:strRef>
@@ -279,42 +173,126 @@
           <c:invertIfNegative val="0"/>
           <c:cat>
             <c:strRef>
-              <c:f>Sheet5!$A$4:$B$6</c:f>
+              <c:f>Sheet2!$F$1:$H$1</c:f>
               <c:strCache>
                 <c:ptCount val="3"/>
                 <c:pt idx="0">
-                  <c:v>Dobot Wins</c:v>
+                  <c:v>Dobot Win</c:v>
                 </c:pt>
                 <c:pt idx="1">
-                  <c:v>Player Wins</c:v>
+                  <c:v>Player Win</c:v>
                 </c:pt>
                 <c:pt idx="2">
-                  <c:v>Tie</c:v>
+                  <c:v>Ties</c:v>
                 </c:pt>
               </c:strCache>
             </c:strRef>
           </c:cat>
           <c:val>
             <c:numRef>
-              <c:f>Sheet5!$C$4:$C$6</c:f>
+              <c:f>Sheet2!$F$3:$H$3</c:f>
               <c:numCache>
-                <c:formatCode>General</c:formatCode>
+                <c:formatCode>0%</c:formatCode>
                 <c:ptCount val="3"/>
-                <c:pt idx="0">
-                  <c:v>10</c:v>
+                <c:pt idx="0" formatCode="0.00%">
+                  <c:v>0.38500000000000001</c:v>
                 </c:pt>
                 <c:pt idx="1">
-                  <c:v>3</c:v>
+                  <c:v>0.15</c:v>
                 </c:pt>
                 <c:pt idx="2">
-                  <c:v>8</c:v>
+                  <c:v>0.46</c:v>
                 </c:pt>
               </c:numCache>
             </c:numRef>
           </c:val>
           <c:extLst>
             <c:ext xmlns:c16="http://schemas.microsoft.com/office/drawing/2014/chart" uri="{C3380CC4-5D6E-409C-BE32-E72D297353CC}">
-              <c16:uniqueId val="{00000000-3468-4183-98D8-6186D96B155C}"/>
+              <c16:uniqueId val="{00000000-C999-44F1-A48D-9D569CE15218}"/>
+            </c:ext>
+          </c:extLst>
+        </c:ser>
+        <c:ser>
+          <c:idx val="1"/>
+          <c:order val="1"/>
+          <c:tx>
+            <c:strRef>
+              <c:f>Sheet2!$E$4</c:f>
+              <c:strCache>
+                <c:ptCount val="1"/>
+                <c:pt idx="0">
+                  <c:v>Player</c:v>
+                </c:pt>
+              </c:strCache>
+            </c:strRef>
+          </c:tx>
+          <c:spPr>
+            <a:solidFill>
+              <a:schemeClr val="accent2"/>
+            </a:solidFill>
+            <a:ln>
+              <a:noFill/>
+            </a:ln>
+            <a:effectLst/>
+          </c:spPr>
+          <c:invertIfNegative val="0"/>
+          <c:dPt>
+            <c:idx val="2"/>
+            <c:invertIfNegative val="0"/>
+            <c:bubble3D val="0"/>
+            <c:spPr>
+              <a:solidFill>
+                <a:schemeClr val="accent2"/>
+              </a:solidFill>
+              <a:ln>
+                <a:noFill/>
+              </a:ln>
+              <a:effectLst/>
+            </c:spPr>
+            <c:extLst>
+              <c:ext xmlns:c16="http://schemas.microsoft.com/office/drawing/2014/chart" uri="{C3380CC4-5D6E-409C-BE32-E72D297353CC}">
+                <c16:uniqueId val="{00000002-C999-44F1-A48D-9D569CE15218}"/>
+              </c:ext>
+            </c:extLst>
+          </c:dPt>
+          <c:cat>
+            <c:strRef>
+              <c:f>Sheet2!$F$1:$H$1</c:f>
+              <c:strCache>
+                <c:ptCount val="3"/>
+                <c:pt idx="0">
+                  <c:v>Dobot Win</c:v>
+                </c:pt>
+                <c:pt idx="1">
+                  <c:v>Player Win</c:v>
+                </c:pt>
+                <c:pt idx="2">
+                  <c:v>Ties</c:v>
+                </c:pt>
+              </c:strCache>
+            </c:strRef>
+          </c:cat>
+          <c:val>
+            <c:numRef>
+              <c:f>Sheet2!$F$4:$H$4</c:f>
+              <c:numCache>
+                <c:formatCode>0%</c:formatCode>
+                <c:ptCount val="3"/>
+                <c:pt idx="0">
+                  <c:v>0.56999999999999995</c:v>
+                </c:pt>
+                <c:pt idx="1">
+                  <c:v>0.14000000000000001</c:v>
+                </c:pt>
+                <c:pt idx="2" formatCode="0.00%">
+                  <c:v>0.255</c:v>
+                </c:pt>
+              </c:numCache>
+            </c:numRef>
+          </c:val>
+          <c:extLst>
+            <c:ext xmlns:c16="http://schemas.microsoft.com/office/drawing/2014/chart" uri="{C3380CC4-5D6E-409C-BE32-E72D297353CC}">
+              <c16:uniqueId val="{00000003-C999-44F1-A48D-9D569CE15218}"/>
             </c:ext>
           </c:extLst>
         </c:ser>
@@ -328,11 +306,11 @@
         </c:dLbls>
         <c:gapWidth val="219"/>
         <c:overlap val="-27"/>
-        <c:axId val="476256360"/>
-        <c:axId val="476253080"/>
+        <c:axId val="354106680"/>
+        <c:axId val="437652112"/>
       </c:barChart>
       <c:catAx>
-        <c:axId val="476256360"/>
+        <c:axId val="354106680"/>
         <c:scaling>
           <c:orientation val="minMax"/>
         </c:scaling>
@@ -375,7 +353,7 @@
             <a:endParaRPr lang="en-US"/>
           </a:p>
         </c:txPr>
-        <c:crossAx val="476253080"/>
+        <c:crossAx val="437652112"/>
         <c:crosses val="autoZero"/>
         <c:auto val="1"/>
         <c:lblAlgn val="ctr"/>
@@ -383,7 +361,7 @@
         <c:noMultiLvlLbl val="0"/>
       </c:catAx>
       <c:valAx>
-        <c:axId val="476253080"/>
+        <c:axId val="437652112"/>
         <c:scaling>
           <c:orientation val="minMax"/>
         </c:scaling>
@@ -403,7 +381,7 @@
             <a:effectLst/>
           </c:spPr>
         </c:majorGridlines>
-        <c:numFmt formatCode="General" sourceLinked="1"/>
+        <c:numFmt formatCode="0.00%" sourceLinked="1"/>
         <c:majorTickMark val="none"/>
         <c:minorTickMark val="none"/>
         <c:tickLblPos val="nextTo"/>
@@ -434,10 +412,49 @@
             <a:endParaRPr lang="en-US"/>
           </a:p>
         </c:txPr>
-        <c:crossAx val="476256360"/>
+        <c:crossAx val="354106680"/>
         <c:crosses val="autoZero"/>
         <c:crossBetween val="between"/>
       </c:valAx>
+      <c:dTable>
+        <c:showHorzBorder val="1"/>
+        <c:showVertBorder val="1"/>
+        <c:showOutline val="1"/>
+        <c:showKeys val="1"/>
+        <c:spPr>
+          <a:noFill/>
+          <a:ln w="9525" cap="flat" cmpd="sng" algn="ctr">
+            <a:solidFill>
+              <a:schemeClr val="tx1">
+                <a:lumMod val="15000"/>
+                <a:lumOff val="85000"/>
+              </a:schemeClr>
+            </a:solidFill>
+            <a:round/>
+          </a:ln>
+          <a:effectLst/>
+        </c:spPr>
+        <c:txPr>
+          <a:bodyPr rot="0" spcFirstLastPara="1" vertOverflow="ellipsis" vert="horz" wrap="square" anchor="ctr" anchorCtr="1"/>
+          <a:lstStyle/>
+          <a:p>
+            <a:pPr rtl="0">
+              <a:defRPr sz="3000" b="0" i="0" u="none" strike="noStrike" kern="1200" baseline="0">
+                <a:solidFill>
+                  <a:schemeClr val="tx1">
+                    <a:lumMod val="65000"/>
+                    <a:lumOff val="35000"/>
+                  </a:schemeClr>
+                </a:solidFill>
+                <a:latin typeface="+mn-lt"/>
+                <a:ea typeface="+mn-ea"/>
+                <a:cs typeface="+mn-cs"/>
+              </a:defRPr>
+            </a:pPr>
+            <a:endParaRPr lang="en-US"/>
+          </a:p>
+        </c:txPr>
+      </c:dTable>
       <c:spPr>
         <a:noFill/>
         <a:ln>
@@ -448,6 +465,13 @@
     </c:plotArea>
     <c:plotVisOnly val="1"/>
     <c:dispBlanksAs val="gap"/>
+    <c:extLst>
+      <c:ext xmlns:c16r3="http://schemas.microsoft.com/office/drawing/2017/03/chart" uri="{56B9EC1D-385E-4148-901F-78D8002777C0}">
+        <c16r3:dataDisplayOptions16>
+          <c16r3:dispNaAsBlank val="1"/>
+        </c16r3:dataDisplayOptions16>
+      </c:ext>
+    </c:extLst>
     <c:showDLblsOverMax val="0"/>
   </c:chart>
   <c:spPr>
@@ -462,7 +486,7 @@
     <a:lstStyle/>
     <a:p>
       <a:pPr>
-        <a:defRPr sz="1200" baseline="0"/>
+        <a:defRPr sz="3000" baseline="0"/>
       </a:pPr>
       <a:endParaRPr lang="en-US"/>
     </a:p>
@@ -470,21 +494,6 @@
   <c:externalData r:id="rId3">
     <c:autoUpdate val="0"/>
   </c:externalData>
-  <c:extLst>
-    <c:ext xmlns:c14="http://schemas.microsoft.com/office/drawing/2007/8/2/chart" uri="{781A3756-C4B2-4CAC-9D66-4F8BD8637D16}">
-      <c14:pivotOptions>
-        <c14:dropZoneFilter val="1"/>
-        <c14:dropZoneCategories val="1"/>
-        <c14:dropZoneData val="1"/>
-        <c14:dropZonesVisible val="1"/>
-      </c14:pivotOptions>
-    </c:ext>
-    <c:ext xmlns:c16="http://schemas.microsoft.com/office/drawing/2014/chart" uri="{E28EC0CA-F0BB-4C9C-879D-F8772B89E7AC}">
-      <c16:pivotOptions16>
-        <c16:showExpandCollapseFieldButtons val="1"/>
-      </c16:pivotOptions16>
-    </c:ext>
-  </c:extLst>
 </c:chartSpace>
 </file>
 
@@ -1113,7 +1122,7 @@
           <a:p>
             <a:fld id="{D363F016-229C-42C1-BB9A-17D109E00F9E}" type="datetimeFigureOut">
               <a:rPr lang="en-US" smtClean="0"/>
-              <a:t>4/7/2019</a:t>
+              <a:t>4/9/2019</a:t>
             </a:fld>
             <a:endParaRPr lang="en-US"/>
           </a:p>
@@ -1595,7 +1604,7 @@
           <a:p>
             <a:fld id="{651A4ED9-8B4C-0648-9464-DB0F494C2DC2}" type="datetimeFigureOut">
               <a:rPr lang="en-US" smtClean="0"/>
-              <a:t>4/7/2019</a:t>
+              <a:t>4/9/2019</a:t>
             </a:fld>
             <a:endParaRPr lang="en-US"/>
           </a:p>
@@ -1765,7 +1774,7 @@
           <a:p>
             <a:fld id="{651A4ED9-8B4C-0648-9464-DB0F494C2DC2}" type="datetimeFigureOut">
               <a:rPr lang="en-US" smtClean="0"/>
-              <a:t>4/7/2019</a:t>
+              <a:t>4/9/2019</a:t>
             </a:fld>
             <a:endParaRPr lang="en-US"/>
           </a:p>
@@ -1945,7 +1954,7 @@
           <a:p>
             <a:fld id="{651A4ED9-8B4C-0648-9464-DB0F494C2DC2}" type="datetimeFigureOut">
               <a:rPr lang="en-US" smtClean="0"/>
-              <a:t>4/7/2019</a:t>
+              <a:t>4/9/2019</a:t>
             </a:fld>
             <a:endParaRPr lang="en-US"/>
           </a:p>
@@ -2115,7 +2124,7 @@
           <a:p>
             <a:fld id="{651A4ED9-8B4C-0648-9464-DB0F494C2DC2}" type="datetimeFigureOut">
               <a:rPr lang="en-US" smtClean="0"/>
-              <a:t>4/7/2019</a:t>
+              <a:t>4/9/2019</a:t>
             </a:fld>
             <a:endParaRPr lang="en-US"/>
           </a:p>
@@ -2359,7 +2368,7 @@
           <a:p>
             <a:fld id="{651A4ED9-8B4C-0648-9464-DB0F494C2DC2}" type="datetimeFigureOut">
               <a:rPr lang="en-US" smtClean="0"/>
-              <a:t>4/7/2019</a:t>
+              <a:t>4/9/2019</a:t>
             </a:fld>
             <a:endParaRPr lang="en-US"/>
           </a:p>
@@ -2591,7 +2600,7 @@
           <a:p>
             <a:fld id="{651A4ED9-8B4C-0648-9464-DB0F494C2DC2}" type="datetimeFigureOut">
               <a:rPr lang="en-US" smtClean="0"/>
-              <a:t>4/7/2019</a:t>
+              <a:t>4/9/2019</a:t>
             </a:fld>
             <a:endParaRPr lang="en-US"/>
           </a:p>
@@ -2958,7 +2967,7 @@
           <a:p>
             <a:fld id="{651A4ED9-8B4C-0648-9464-DB0F494C2DC2}" type="datetimeFigureOut">
               <a:rPr lang="en-US" smtClean="0"/>
-              <a:t>4/7/2019</a:t>
+              <a:t>4/9/2019</a:t>
             </a:fld>
             <a:endParaRPr lang="en-US"/>
           </a:p>
@@ -3076,7 +3085,7 @@
           <a:p>
             <a:fld id="{651A4ED9-8B4C-0648-9464-DB0F494C2DC2}" type="datetimeFigureOut">
               <a:rPr lang="en-US" smtClean="0"/>
-              <a:t>4/7/2019</a:t>
+              <a:t>4/9/2019</a:t>
             </a:fld>
             <a:endParaRPr lang="en-US"/>
           </a:p>
@@ -3171,7 +3180,7 @@
           <a:p>
             <a:fld id="{651A4ED9-8B4C-0648-9464-DB0F494C2DC2}" type="datetimeFigureOut">
               <a:rPr lang="en-US" smtClean="0"/>
-              <a:t>4/7/2019</a:t>
+              <a:t>4/9/2019</a:t>
             </a:fld>
             <a:endParaRPr lang="en-US"/>
           </a:p>
@@ -3448,7 +3457,7 @@
           <a:p>
             <a:fld id="{651A4ED9-8B4C-0648-9464-DB0F494C2DC2}" type="datetimeFigureOut">
               <a:rPr lang="en-US" smtClean="0"/>
-              <a:t>4/7/2019</a:t>
+              <a:t>4/9/2019</a:t>
             </a:fld>
             <a:endParaRPr lang="en-US"/>
           </a:p>
@@ -3705,7 +3714,7 @@
           <a:p>
             <a:fld id="{651A4ED9-8B4C-0648-9464-DB0F494C2DC2}" type="datetimeFigureOut">
               <a:rPr lang="en-US" smtClean="0"/>
-              <a:t>4/7/2019</a:t>
+              <a:t>4/9/2019</a:t>
             </a:fld>
             <a:endParaRPr lang="en-US"/>
           </a:p>
@@ -3918,7 +3927,7 @@
           <a:p>
             <a:fld id="{651A4ED9-8B4C-0648-9464-DB0F494C2DC2}" type="datetimeFigureOut">
               <a:rPr lang="en-US" smtClean="0"/>
-              <a:t>4/7/2019</a:t>
+              <a:t>4/9/2019</a:t>
             </a:fld>
             <a:endParaRPr lang="en-US"/>
           </a:p>
@@ -4432,15 +4441,7 @@
             <a:pPr algn="ctr"/>
             <a:r>
               <a:rPr lang="en-US" sz="4000" dirty="0"/>
-              <a:t>We develop a system, using </a:t>
-            </a:r>
-            <a:r>
-              <a:rPr lang="en-US" sz="4000" dirty="0" err="1"/>
-              <a:t>Dobot</a:t>
-            </a:r>
-            <a:r>
-              <a:rPr lang="en-US" sz="4000" dirty="0"/>
-              <a:t> Magician (robotic arm), Pixie2 (camera), and Python (program) to play Tic-Tac-Toe with a human player. The game completes when there are no more actions or one of the players reaches a win.</a:t>
+              <a:t>We develop a system, using Dobot Magician (robotic arm), Pixie2 (camera), and Python (program) to play Tic-Tac-Toe with a human player. The game completes when there are no more legal moves, one of the players reaches a win, or there is a tie.</a:t>
             </a:r>
             <a:endParaRPr lang="en-US" sz="4000" b="1" dirty="0"/>
           </a:p>
@@ -4460,8 +4461,8 @@
         </p:nvSpPr>
         <p:spPr>
           <a:xfrm>
-            <a:off x="13154841" y="4617218"/>
-            <a:ext cx="9125775" cy="6401753"/>
+            <a:off x="14765592" y="4659008"/>
+            <a:ext cx="9125775" cy="10095071"/>
           </a:xfrm>
           <a:prstGeom prst="rect">
             <a:avLst/>
@@ -4487,7 +4488,7 @@
             <a:pPr algn="ctr"/>
             <a:r>
               <a:rPr lang="en-US" sz="4000" dirty="0"/>
-              <a:t>Using OpenCV, if no motion is detected by the camera, we record current game state. The program differentiates between the former and current game state, and chooses an action to be carried out by the robot arm. The game logic uses an altered A.I. Algorithm Min/Max, using a heuristic value based on the possible outcomes of the game tree. </a:t>
+              <a:t>We utilize OpenCV Computer Vision Software, Python Language, and the Dobot Programming Interface. If no motion is detected by the camera, we record current game state. The program differentiates between the former and current game state, and chooses an action to be carried out by the robotic arm. The game logic uses an altered AI algorithm, depth first search with Min/Max, using a heuristic value based on the possible outcomes of the game tree(Figure 1). This heuristic is a value that increases if the next possible state is a win and decreases if it is a loss for the Dobot.</a:t>
             </a:r>
           </a:p>
         </p:txBody>
@@ -4506,7 +4507,7 @@
         </p:nvSpPr>
         <p:spPr>
           <a:xfrm>
-            <a:off x="26664939" y="18659087"/>
+            <a:off x="26699429" y="18659087"/>
             <a:ext cx="9125775" cy="5786199"/>
           </a:xfrm>
           <a:prstGeom prst="rect">
@@ -4559,42 +4560,6 @@
       </p:sp>
       <p:sp>
         <p:nvSpPr>
-          <p:cNvPr id="10" name="TextBox 9">
-            <a:extLst>
-              <a:ext uri="{FF2B5EF4-FFF2-40B4-BE49-F238E27FC236}">
-                <a16:creationId xmlns:a16="http://schemas.microsoft.com/office/drawing/2014/main" id="{F23AC28A-D9B8-EC4C-88BE-782BE7810486}"/>
-              </a:ext>
-            </a:extLst>
-          </p:cNvPr>
-          <p:cNvSpPr txBox="1"/>
-          <p:nvPr/>
-        </p:nvSpPr>
-        <p:spPr>
-          <a:xfrm>
-            <a:off x="7692997" y="17797313"/>
-            <a:ext cx="9250342" cy="861774"/>
-          </a:xfrm>
-          <a:prstGeom prst="rect">
-            <a:avLst/>
-          </a:prstGeom>
-          <a:noFill/>
-        </p:spPr>
-        <p:txBody>
-          <a:bodyPr wrap="square" rtlCol="0">
-            <a:spAutoFit/>
-          </a:bodyPr>
-          <a:lstStyle/>
-          <a:p>
-            <a:pPr algn="ctr"/>
-            <a:r>
-              <a:rPr lang="en-US" sz="5000" b="1" dirty="0"/>
-              <a:t>Diagrams</a:t>
-            </a:r>
-          </a:p>
-        </p:txBody>
-      </p:sp>
-      <p:sp>
-        <p:nvSpPr>
           <p:cNvPr id="11" name="TextBox 10">
             <a:extLst>
               <a:ext uri="{FF2B5EF4-FFF2-40B4-BE49-F238E27FC236}">
@@ -4607,8 +4572,8 @@
         </p:nvSpPr>
         <p:spPr>
           <a:xfrm>
-            <a:off x="25015398" y="10157197"/>
-            <a:ext cx="9125756" cy="861774"/>
+            <a:off x="26061205" y="10221702"/>
+            <a:ext cx="9125756" cy="1477328"/>
           </a:xfrm>
           <a:prstGeom prst="rect">
             <a:avLst/>
@@ -4624,8 +4589,16 @@
             <a:pPr algn="ctr"/>
             <a:r>
               <a:rPr lang="en-US" sz="5000" b="1" dirty="0"/>
-              <a:t>Conclusion</a:t>
-            </a:r>
+              <a:t>Future Work and Conclusion</a:t>
+            </a:r>
+          </a:p>
+          <a:p>
+            <a:pPr algn="ctr"/>
+            <a:r>
+              <a:rPr lang="en-US" sz="4000"/>
+              <a:t>We developed  </a:t>
+            </a:r>
+            <a:endParaRPr lang="en-US" sz="4000" dirty="0"/>
           </a:p>
         </p:txBody>
       </p:sp>
@@ -4643,8 +4616,8 @@
         </p:nvSpPr>
         <p:spPr>
           <a:xfrm>
-            <a:off x="1234902" y="11585039"/>
-            <a:ext cx="10450284" cy="5786199"/>
+            <a:off x="1337166" y="10015377"/>
+            <a:ext cx="10450284" cy="4555093"/>
           </a:xfrm>
           <a:prstGeom prst="rect">
             <a:avLst/>
@@ -4670,31 +4643,14 @@
             <a:pPr algn="ctr"/>
             <a:r>
               <a:rPr lang="en-US" sz="4000" dirty="0"/>
-              <a:t>Our motivation for this project is to assist in the learning of </a:t>
-            </a:r>
-            <a:r>
-              <a:rPr lang="en-US" sz="4000" dirty="0" err="1"/>
-              <a:t>Dobot</a:t>
-            </a:r>
+              <a:t>Our motivation for this project is to assist in the learning of Dobot Magician for young minds interested in the field of Robotics. </a:t>
+            </a:r>
+          </a:p>
+          <a:p>
+            <a:pPr algn="ctr"/>
             <a:r>
               <a:rPr lang="en-US" sz="4000" dirty="0"/>
-              <a:t> Magician for young minds interested in the field of Robotics. Since </a:t>
-            </a:r>
-            <a:r>
-              <a:rPr lang="en-US" sz="4000" dirty="0" err="1"/>
-              <a:t>Dobot</a:t>
-            </a:r>
-            <a:r>
-              <a:rPr lang="en-US" sz="4000" dirty="0"/>
-              <a:t> Magician is not well documented as a programmable robot, we are determined to acquire information of the use of </a:t>
-            </a:r>
-            <a:r>
-              <a:rPr lang="en-US" sz="4000" dirty="0" err="1"/>
-              <a:t>Dobot</a:t>
-            </a:r>
-            <a:r>
-              <a:rPr lang="en-US" sz="4000" dirty="0"/>
-              <a:t> in this regard. We feel these motivations necessitate the use of Scientific Discovery.</a:t>
+              <a:t>Another motivation is to develop a way for the human to interact with a robot within a turn based game environment.</a:t>
             </a:r>
           </a:p>
         </p:txBody>
@@ -4713,8 +4669,8 @@
         </p:nvSpPr>
         <p:spPr>
           <a:xfrm>
-            <a:off x="13154841" y="11585039"/>
-            <a:ext cx="9250342" cy="861774"/>
+            <a:off x="25728127" y="4627672"/>
+            <a:ext cx="9250342" cy="5170646"/>
           </a:xfrm>
           <a:prstGeom prst="rect">
             <a:avLst/>
@@ -4731,6 +4687,20 @@
             <a:r>
               <a:rPr lang="en-US" sz="5000" b="1" dirty="0"/>
               <a:t>Research Results</a:t>
+            </a:r>
+          </a:p>
+          <a:p>
+            <a:pPr algn="ctr"/>
+            <a:r>
+              <a:rPr lang="en-US" sz="4000" dirty="0"/>
+              <a:t>Out of 26 independent trials, Dobot won 9, the human player won 3, there are 8 ties and 6 inconclusive outcomes (error). </a:t>
+            </a:r>
+          </a:p>
+          <a:p>
+            <a:pPr algn="ctr"/>
+            <a:r>
+              <a:rPr lang="en-US" sz="4000" dirty="0"/>
+              <a:t>Our results show the system is correct 84% of the time and the error rate is 16%. Table 1 shows winning and losing percentages for each of the players.</a:t>
             </a:r>
           </a:p>
         </p:txBody>
@@ -4763,7 +4733,7 @@
         </p:blipFill>
         <p:spPr>
           <a:xfrm>
-            <a:off x="1234902" y="19220774"/>
+            <a:off x="1366214" y="17992595"/>
             <a:ext cx="11083266" cy="7001928"/>
           </a:xfrm>
           <a:prstGeom prst="rect">
@@ -4771,36 +4741,6 @@
           </a:prstGeom>
         </p:spPr>
       </p:pic>
-      <p:graphicFrame>
-        <p:nvGraphicFramePr>
-          <p:cNvPr id="13" name="Chart 12">
-            <a:extLst>
-              <a:ext uri="{FF2B5EF4-FFF2-40B4-BE49-F238E27FC236}">
-                <a16:creationId xmlns:a16="http://schemas.microsoft.com/office/drawing/2014/main" id="{F748334D-3095-4CDA-B964-950EBBE3ABE0}"/>
-              </a:ext>
-            </a:extLst>
-          </p:cNvPr>
-          <p:cNvGraphicFramePr>
-            <a:graphicFrameLocks/>
-          </p:cNvGraphicFramePr>
-          <p:nvPr>
-            <p:extLst>
-              <p:ext uri="{D42A27DB-BD31-4B8C-83A1-F6EECF244321}">
-                <p14:modId xmlns:p14="http://schemas.microsoft.com/office/powerpoint/2010/main" val="3129143186"/>
-              </p:ext>
-            </p:extLst>
-          </p:nvPr>
-        </p:nvGraphicFramePr>
-        <p:xfrm>
-          <a:off x="13154841" y="18813824"/>
-          <a:ext cx="12673425" cy="7585815"/>
-        </p:xfrm>
-        <a:graphic>
-          <a:graphicData uri="http://schemas.openxmlformats.org/drawingml/2006/chart">
-            <c:chart xmlns:c="http://schemas.openxmlformats.org/drawingml/2006/chart" xmlns:r="http://schemas.openxmlformats.org/officeDocument/2006/relationships" r:id="rId4"/>
-          </a:graphicData>
-        </a:graphic>
-      </p:graphicFrame>
       <p:sp>
         <p:nvSpPr>
           <p:cNvPr id="14" name="TextBox 13">
@@ -4815,8 +4755,8 @@
         </p:nvSpPr>
         <p:spPr>
           <a:xfrm>
-            <a:off x="2937753" y="26398489"/>
-            <a:ext cx="7431932" cy="1569660"/>
+            <a:off x="1234899" y="26457966"/>
+            <a:ext cx="11083265" cy="1200329"/>
           </a:xfrm>
           <a:prstGeom prst="rect">
             <a:avLst/>
@@ -4830,8 +4770,8 @@
           <a:lstStyle/>
           <a:p>
             <a:r>
-              <a:rPr lang="en-US" sz="2400" i="1" dirty="0"/>
-              <a:t>Our algorithm takes the current state and tries  all possible moves to find the best move from this state. The best move is found by a score that increase if the next possible state includes a win and vise versa if there is a loss.</a:t>
+              <a:rPr lang="en-US" sz="3600" i="1" dirty="0"/>
+              <a:t>Our algorithm takes the current state and tries all possible moves to find the best move from this state.</a:t>
             </a:r>
           </a:p>
         </p:txBody>
@@ -4850,8 +4790,8 @@
         </p:nvSpPr>
         <p:spPr>
           <a:xfrm>
-            <a:off x="15775587" y="26656516"/>
-            <a:ext cx="7431932" cy="1384995"/>
+            <a:off x="12991765" y="26476209"/>
+            <a:ext cx="12499007" cy="1754326"/>
           </a:xfrm>
           <a:prstGeom prst="rect">
             <a:avLst/>
@@ -4865,8 +4805,8 @@
           <a:lstStyle/>
           <a:p>
             <a:r>
-              <a:rPr lang="en-US" sz="2800" i="1" dirty="0"/>
-              <a:t>Due to randomness in the first move placed by Dobot has still “won” 87% of the games it has played.</a:t>
+              <a:rPr lang="en-US" sz="3600" i="1" dirty="0"/>
+              <a:t>The Data shows that when Dobot goes first the game is most likely to be a tie and when the player goes first Dobot will most likely win. </a:t>
             </a:r>
           </a:p>
         </p:txBody>
@@ -4886,7 +4826,7 @@
           <p:nvPr/>
         </p:nvPicPr>
         <p:blipFill>
-          <a:blip r:embed="rId5">
+          <a:blip r:embed="rId4">
             <a:extLst>
               <a:ext uri="{28A0092B-C50C-407E-A947-70E740481C1C}">
                 <a14:useLocalDpi xmlns:a14="http://schemas.microsoft.com/office/drawing/2010/main" val="0"/>
@@ -4922,7 +4862,7 @@
           <p:nvPr/>
         </p:nvPicPr>
         <p:blipFill>
-          <a:blip r:embed="rId6">
+          <a:blip r:embed="rId5">
             <a:extLst>
               <a:ext uri="{28A0092B-C50C-407E-A947-70E740481C1C}">
                 <a14:useLocalDpi xmlns:a14="http://schemas.microsoft.com/office/drawing/2010/main" val="0"/>
@@ -4958,7 +4898,7 @@
           <p:nvPr/>
         </p:nvPicPr>
         <p:blipFill>
-          <a:blip r:embed="rId7">
+          <a:blip r:embed="rId6">
             <a:extLst>
               <a:ext uri="{28A0092B-C50C-407E-A947-70E740481C1C}">
                 <a14:useLocalDpi xmlns:a14="http://schemas.microsoft.com/office/drawing/2010/main" val="0"/>
@@ -4979,6 +4919,107 @@
           </a:prstGeom>
         </p:spPr>
       </p:pic>
+      <p:sp>
+        <p:nvSpPr>
+          <p:cNvPr id="2" name="TextBox 1">
+            <a:extLst>
+              <a:ext uri="{FF2B5EF4-FFF2-40B4-BE49-F238E27FC236}">
+                <a16:creationId xmlns:a16="http://schemas.microsoft.com/office/drawing/2014/main" id="{2B88393E-9367-4214-B1DA-41CEC9096F6D}"/>
+              </a:ext>
+            </a:extLst>
+          </p:cNvPr>
+          <p:cNvSpPr txBox="1"/>
+          <p:nvPr/>
+        </p:nvSpPr>
+        <p:spPr>
+          <a:xfrm>
+            <a:off x="5846634" y="16592108"/>
+            <a:ext cx="1859797" cy="646331"/>
+          </a:xfrm>
+          <a:prstGeom prst="rect">
+            <a:avLst/>
+          </a:prstGeom>
+          <a:noFill/>
+        </p:spPr>
+        <p:txBody>
+          <a:bodyPr wrap="square" rtlCol="0">
+            <a:spAutoFit/>
+          </a:bodyPr>
+          <a:lstStyle/>
+          <a:p>
+            <a:r>
+              <a:rPr lang="en-US" sz="3600" dirty="0"/>
+              <a:t>Figure 1</a:t>
+            </a:r>
+            <a:endParaRPr lang="en-US" dirty="0"/>
+          </a:p>
+        </p:txBody>
+      </p:sp>
+      <p:sp>
+        <p:nvSpPr>
+          <p:cNvPr id="19" name="TextBox 18">
+            <a:extLst>
+              <a:ext uri="{FF2B5EF4-FFF2-40B4-BE49-F238E27FC236}">
+                <a16:creationId xmlns:a16="http://schemas.microsoft.com/office/drawing/2014/main" id="{572A2ABB-E11C-4932-BA10-E0705D4554F5}"/>
+              </a:ext>
+            </a:extLst>
+          </p:cNvPr>
+          <p:cNvSpPr txBox="1"/>
+          <p:nvPr/>
+        </p:nvSpPr>
+        <p:spPr>
+          <a:xfrm>
+            <a:off x="18605057" y="15646935"/>
+            <a:ext cx="1859797" cy="646331"/>
+          </a:xfrm>
+          <a:prstGeom prst="rect">
+            <a:avLst/>
+          </a:prstGeom>
+          <a:noFill/>
+        </p:spPr>
+        <p:txBody>
+          <a:bodyPr wrap="square" rtlCol="0">
+            <a:spAutoFit/>
+          </a:bodyPr>
+          <a:lstStyle/>
+          <a:p>
+            <a:r>
+              <a:rPr lang="en-US" sz="3600" dirty="0"/>
+              <a:t>Table 1</a:t>
+            </a:r>
+          </a:p>
+        </p:txBody>
+      </p:sp>
+      <p:graphicFrame>
+        <p:nvGraphicFramePr>
+          <p:cNvPr id="18" name="Chart 17">
+            <a:extLst>
+              <a:ext uri="{FF2B5EF4-FFF2-40B4-BE49-F238E27FC236}">
+                <a16:creationId xmlns:a16="http://schemas.microsoft.com/office/drawing/2014/main" id="{3C7CD0C4-F984-4B84-A366-B3563B6DFB61}"/>
+              </a:ext>
+            </a:extLst>
+          </p:cNvPr>
+          <p:cNvGraphicFramePr>
+            <a:graphicFrameLocks/>
+          </p:cNvGraphicFramePr>
+          <p:nvPr>
+            <p:extLst>
+              <p:ext uri="{D42A27DB-BD31-4B8C-83A1-F6EECF244321}">
+                <p14:modId xmlns:p14="http://schemas.microsoft.com/office/powerpoint/2010/main" val="957693339"/>
+              </p:ext>
+            </p:extLst>
+          </p:nvPr>
+        </p:nvGraphicFramePr>
+        <p:xfrm>
+          <a:off x="12991766" y="17186122"/>
+          <a:ext cx="12499007" cy="9201770"/>
+        </p:xfrm>
+        <a:graphic>
+          <a:graphicData uri="http://schemas.openxmlformats.org/drawingml/2006/chart">
+            <c:chart xmlns:c="http://schemas.openxmlformats.org/drawingml/2006/chart" xmlns:r="http://schemas.openxmlformats.org/officeDocument/2006/relationships" r:id="rId7"/>
+          </a:graphicData>
+        </a:graphic>
+      </p:graphicFrame>
     </p:spTree>
     <p:extLst>
       <p:ext uri="{BB962C8B-B14F-4D97-AF65-F5344CB8AC3E}">

--- a/Sources/Zac Cody TTT PosterWD.pptx
+++ b/Sources/Zac Cody TTT PosterWD.pptx
@@ -126,920 +126,6 @@
 </p:presentation>
 </file>
 
-<file path=ppt/charts/chart1.xml><?xml version="1.0" encoding="utf-8"?>
-<c:chartSpace xmlns:c="http://schemas.openxmlformats.org/drawingml/2006/chart" xmlns:a="http://schemas.openxmlformats.org/drawingml/2006/main" xmlns:r="http://schemas.openxmlformats.org/officeDocument/2006/relationships" xmlns:c16r2="http://schemas.microsoft.com/office/drawing/2015/06/chart">
-  <c:date1904 val="0"/>
-  <c:lang val="en-US"/>
-  <c:roundedCorners val="0"/>
-  <mc:AlternateContent xmlns:mc="http://schemas.openxmlformats.org/markup-compatibility/2006">
-    <mc:Choice xmlns:c14="http://schemas.microsoft.com/office/drawing/2007/8/2/chart" Requires="c14">
-      <c14:style val="102"/>
-    </mc:Choice>
-    <mc:Fallback>
-      <c:style val="2"/>
-    </mc:Fallback>
-  </mc:AlternateContent>
-  <c:chart>
-    <c:autoTitleDeleted val="1"/>
-    <c:plotArea>
-      <c:layout/>
-      <c:barChart>
-        <c:barDir val="col"/>
-        <c:grouping val="clustered"/>
-        <c:varyColors val="0"/>
-        <c:ser>
-          <c:idx val="0"/>
-          <c:order val="0"/>
-          <c:tx>
-            <c:strRef>
-              <c:f>Sheet2!$E$3</c:f>
-              <c:strCache>
-                <c:ptCount val="1"/>
-                <c:pt idx="0">
-                  <c:v>Dobot</c:v>
-                </c:pt>
-              </c:strCache>
-            </c:strRef>
-          </c:tx>
-          <c:spPr>
-            <a:solidFill>
-              <a:schemeClr val="accent1"/>
-            </a:solidFill>
-            <a:ln>
-              <a:noFill/>
-            </a:ln>
-            <a:effectLst/>
-          </c:spPr>
-          <c:invertIfNegative val="0"/>
-          <c:cat>
-            <c:strRef>
-              <c:f>Sheet2!$F$1:$H$1</c:f>
-              <c:strCache>
-                <c:ptCount val="3"/>
-                <c:pt idx="0">
-                  <c:v>Dobot Win</c:v>
-                </c:pt>
-                <c:pt idx="1">
-                  <c:v>Player Win</c:v>
-                </c:pt>
-                <c:pt idx="2">
-                  <c:v>Ties</c:v>
-                </c:pt>
-              </c:strCache>
-            </c:strRef>
-          </c:cat>
-          <c:val>
-            <c:numRef>
-              <c:f>Sheet2!$F$3:$H$3</c:f>
-              <c:numCache>
-                <c:formatCode>0%</c:formatCode>
-                <c:ptCount val="3"/>
-                <c:pt idx="0" formatCode="0.00%">
-                  <c:v>0.38500000000000001</c:v>
-                </c:pt>
-                <c:pt idx="1">
-                  <c:v>0.15</c:v>
-                </c:pt>
-                <c:pt idx="2">
-                  <c:v>0.46</c:v>
-                </c:pt>
-              </c:numCache>
-            </c:numRef>
-          </c:val>
-          <c:extLst>
-            <c:ext xmlns:c16="http://schemas.microsoft.com/office/drawing/2014/chart" uri="{C3380CC4-5D6E-409C-BE32-E72D297353CC}">
-              <c16:uniqueId val="{00000000-C999-44F1-A48D-9D569CE15218}"/>
-            </c:ext>
-          </c:extLst>
-        </c:ser>
-        <c:ser>
-          <c:idx val="1"/>
-          <c:order val="1"/>
-          <c:tx>
-            <c:strRef>
-              <c:f>Sheet2!$E$4</c:f>
-              <c:strCache>
-                <c:ptCount val="1"/>
-                <c:pt idx="0">
-                  <c:v>Player</c:v>
-                </c:pt>
-              </c:strCache>
-            </c:strRef>
-          </c:tx>
-          <c:spPr>
-            <a:solidFill>
-              <a:schemeClr val="accent2"/>
-            </a:solidFill>
-            <a:ln>
-              <a:noFill/>
-            </a:ln>
-            <a:effectLst/>
-          </c:spPr>
-          <c:invertIfNegative val="0"/>
-          <c:dPt>
-            <c:idx val="2"/>
-            <c:invertIfNegative val="0"/>
-            <c:bubble3D val="0"/>
-            <c:spPr>
-              <a:solidFill>
-                <a:schemeClr val="accent2"/>
-              </a:solidFill>
-              <a:ln>
-                <a:noFill/>
-              </a:ln>
-              <a:effectLst/>
-            </c:spPr>
-            <c:extLst>
-              <c:ext xmlns:c16="http://schemas.microsoft.com/office/drawing/2014/chart" uri="{C3380CC4-5D6E-409C-BE32-E72D297353CC}">
-                <c16:uniqueId val="{00000002-C999-44F1-A48D-9D569CE15218}"/>
-              </c:ext>
-            </c:extLst>
-          </c:dPt>
-          <c:cat>
-            <c:strRef>
-              <c:f>Sheet2!$F$1:$H$1</c:f>
-              <c:strCache>
-                <c:ptCount val="3"/>
-                <c:pt idx="0">
-                  <c:v>Dobot Win</c:v>
-                </c:pt>
-                <c:pt idx="1">
-                  <c:v>Player Win</c:v>
-                </c:pt>
-                <c:pt idx="2">
-                  <c:v>Ties</c:v>
-                </c:pt>
-              </c:strCache>
-            </c:strRef>
-          </c:cat>
-          <c:val>
-            <c:numRef>
-              <c:f>Sheet2!$F$4:$H$4</c:f>
-              <c:numCache>
-                <c:formatCode>0%</c:formatCode>
-                <c:ptCount val="3"/>
-                <c:pt idx="0">
-                  <c:v>0.56999999999999995</c:v>
-                </c:pt>
-                <c:pt idx="1">
-                  <c:v>0.14000000000000001</c:v>
-                </c:pt>
-                <c:pt idx="2" formatCode="0.00%">
-                  <c:v>0.255</c:v>
-                </c:pt>
-              </c:numCache>
-            </c:numRef>
-          </c:val>
-          <c:extLst>
-            <c:ext xmlns:c16="http://schemas.microsoft.com/office/drawing/2014/chart" uri="{C3380CC4-5D6E-409C-BE32-E72D297353CC}">
-              <c16:uniqueId val="{00000003-C999-44F1-A48D-9D569CE15218}"/>
-            </c:ext>
-          </c:extLst>
-        </c:ser>
-        <c:dLbls>
-          <c:showLegendKey val="0"/>
-          <c:showVal val="0"/>
-          <c:showCatName val="0"/>
-          <c:showSerName val="0"/>
-          <c:showPercent val="0"/>
-          <c:showBubbleSize val="0"/>
-        </c:dLbls>
-        <c:gapWidth val="219"/>
-        <c:overlap val="-27"/>
-        <c:axId val="354106680"/>
-        <c:axId val="437652112"/>
-      </c:barChart>
-      <c:catAx>
-        <c:axId val="354106680"/>
-        <c:scaling>
-          <c:orientation val="minMax"/>
-        </c:scaling>
-        <c:delete val="0"/>
-        <c:axPos val="b"/>
-        <c:numFmt formatCode="General" sourceLinked="1"/>
-        <c:majorTickMark val="none"/>
-        <c:minorTickMark val="none"/>
-        <c:tickLblPos val="nextTo"/>
-        <c:spPr>
-          <a:noFill/>
-          <a:ln w="9525" cap="flat" cmpd="sng" algn="ctr">
-            <a:solidFill>
-              <a:schemeClr val="tx1">
-                <a:lumMod val="15000"/>
-                <a:lumOff val="85000"/>
-              </a:schemeClr>
-            </a:solidFill>
-            <a:round/>
-          </a:ln>
-          <a:effectLst/>
-        </c:spPr>
-        <c:txPr>
-          <a:bodyPr rot="-60000000" spcFirstLastPara="1" vertOverflow="ellipsis" vert="horz" wrap="square" anchor="ctr" anchorCtr="1"/>
-          <a:lstStyle/>
-          <a:p>
-            <a:pPr>
-              <a:defRPr sz="3000" b="0" i="0" u="none" strike="noStrike" kern="1200" baseline="0">
-                <a:solidFill>
-                  <a:schemeClr val="tx1">
-                    <a:lumMod val="65000"/>
-                    <a:lumOff val="35000"/>
-                  </a:schemeClr>
-                </a:solidFill>
-                <a:latin typeface="+mn-lt"/>
-                <a:ea typeface="+mn-ea"/>
-                <a:cs typeface="+mn-cs"/>
-              </a:defRPr>
-            </a:pPr>
-            <a:endParaRPr lang="en-US"/>
-          </a:p>
-        </c:txPr>
-        <c:crossAx val="437652112"/>
-        <c:crosses val="autoZero"/>
-        <c:auto val="1"/>
-        <c:lblAlgn val="ctr"/>
-        <c:lblOffset val="100"/>
-        <c:noMultiLvlLbl val="0"/>
-      </c:catAx>
-      <c:valAx>
-        <c:axId val="437652112"/>
-        <c:scaling>
-          <c:orientation val="minMax"/>
-        </c:scaling>
-        <c:delete val="0"/>
-        <c:axPos val="l"/>
-        <c:majorGridlines>
-          <c:spPr>
-            <a:ln w="9525" cap="flat" cmpd="sng" algn="ctr">
-              <a:solidFill>
-                <a:schemeClr val="tx1">
-                  <a:lumMod val="15000"/>
-                  <a:lumOff val="85000"/>
-                </a:schemeClr>
-              </a:solidFill>
-              <a:round/>
-            </a:ln>
-            <a:effectLst/>
-          </c:spPr>
-        </c:majorGridlines>
-        <c:numFmt formatCode="0.00%" sourceLinked="1"/>
-        <c:majorTickMark val="none"/>
-        <c:minorTickMark val="none"/>
-        <c:tickLblPos val="nextTo"/>
-        <c:spPr>
-          <a:noFill/>
-          <a:ln>
-            <a:noFill/>
-          </a:ln>
-          <a:effectLst/>
-        </c:spPr>
-        <c:txPr>
-          <a:bodyPr rot="-60000000" spcFirstLastPara="1" vertOverflow="ellipsis" vert="horz" wrap="square" anchor="ctr" anchorCtr="1"/>
-          <a:lstStyle/>
-          <a:p>
-            <a:pPr>
-              <a:defRPr sz="3000" b="0" i="0" u="none" strike="noStrike" kern="1200" baseline="0">
-                <a:solidFill>
-                  <a:schemeClr val="tx1">
-                    <a:lumMod val="65000"/>
-                    <a:lumOff val="35000"/>
-                  </a:schemeClr>
-                </a:solidFill>
-                <a:latin typeface="+mn-lt"/>
-                <a:ea typeface="+mn-ea"/>
-                <a:cs typeface="+mn-cs"/>
-              </a:defRPr>
-            </a:pPr>
-            <a:endParaRPr lang="en-US"/>
-          </a:p>
-        </c:txPr>
-        <c:crossAx val="354106680"/>
-        <c:crosses val="autoZero"/>
-        <c:crossBetween val="between"/>
-      </c:valAx>
-      <c:dTable>
-        <c:showHorzBorder val="1"/>
-        <c:showVertBorder val="1"/>
-        <c:showOutline val="1"/>
-        <c:showKeys val="1"/>
-        <c:spPr>
-          <a:noFill/>
-          <a:ln w="9525" cap="flat" cmpd="sng" algn="ctr">
-            <a:solidFill>
-              <a:schemeClr val="tx1">
-                <a:lumMod val="15000"/>
-                <a:lumOff val="85000"/>
-              </a:schemeClr>
-            </a:solidFill>
-            <a:round/>
-          </a:ln>
-          <a:effectLst/>
-        </c:spPr>
-        <c:txPr>
-          <a:bodyPr rot="0" spcFirstLastPara="1" vertOverflow="ellipsis" vert="horz" wrap="square" anchor="ctr" anchorCtr="1"/>
-          <a:lstStyle/>
-          <a:p>
-            <a:pPr rtl="0">
-              <a:defRPr sz="3000" b="0" i="0" u="none" strike="noStrike" kern="1200" baseline="0">
-                <a:solidFill>
-                  <a:schemeClr val="tx1">
-                    <a:lumMod val="65000"/>
-                    <a:lumOff val="35000"/>
-                  </a:schemeClr>
-                </a:solidFill>
-                <a:latin typeface="+mn-lt"/>
-                <a:ea typeface="+mn-ea"/>
-                <a:cs typeface="+mn-cs"/>
-              </a:defRPr>
-            </a:pPr>
-            <a:endParaRPr lang="en-US"/>
-          </a:p>
-        </c:txPr>
-      </c:dTable>
-      <c:spPr>
-        <a:noFill/>
-        <a:ln>
-          <a:noFill/>
-        </a:ln>
-        <a:effectLst/>
-      </c:spPr>
-    </c:plotArea>
-    <c:plotVisOnly val="1"/>
-    <c:dispBlanksAs val="gap"/>
-    <c:extLst>
-      <c:ext xmlns:c16r3="http://schemas.microsoft.com/office/drawing/2017/03/chart" uri="{56B9EC1D-385E-4148-901F-78D8002777C0}">
-        <c16r3:dataDisplayOptions16>
-          <c16r3:dispNaAsBlank val="1"/>
-        </c16r3:dataDisplayOptions16>
-      </c:ext>
-    </c:extLst>
-    <c:showDLblsOverMax val="0"/>
-  </c:chart>
-  <c:spPr>
-    <a:noFill/>
-    <a:ln>
-      <a:noFill/>
-    </a:ln>
-    <a:effectLst/>
-  </c:spPr>
-  <c:txPr>
-    <a:bodyPr/>
-    <a:lstStyle/>
-    <a:p>
-      <a:pPr>
-        <a:defRPr sz="3000" baseline="0"/>
-      </a:pPr>
-      <a:endParaRPr lang="en-US"/>
-    </a:p>
-  </c:txPr>
-  <c:externalData r:id="rId3">
-    <c:autoUpdate val="0"/>
-  </c:externalData>
-</c:chartSpace>
-</file>
-
-<file path=ppt/charts/colors1.xml><?xml version="1.0" encoding="utf-8"?>
-<cs:colorStyle xmlns:cs="http://schemas.microsoft.com/office/drawing/2012/chartStyle" xmlns:a="http://schemas.openxmlformats.org/drawingml/2006/main" meth="cycle" id="10">
-  <a:schemeClr val="accent1"/>
-  <a:schemeClr val="accent2"/>
-  <a:schemeClr val="accent3"/>
-  <a:schemeClr val="accent4"/>
-  <a:schemeClr val="accent5"/>
-  <a:schemeClr val="accent6"/>
-  <cs:variation/>
-  <cs:variation>
-    <a:lumMod val="60000"/>
-  </cs:variation>
-  <cs:variation>
-    <a:lumMod val="80000"/>
-    <a:lumOff val="20000"/>
-  </cs:variation>
-  <cs:variation>
-    <a:lumMod val="80000"/>
-  </cs:variation>
-  <cs:variation>
-    <a:lumMod val="60000"/>
-    <a:lumOff val="40000"/>
-  </cs:variation>
-  <cs:variation>
-    <a:lumMod val="50000"/>
-  </cs:variation>
-  <cs:variation>
-    <a:lumMod val="70000"/>
-    <a:lumOff val="30000"/>
-  </cs:variation>
-  <cs:variation>
-    <a:lumMod val="70000"/>
-  </cs:variation>
-  <cs:variation>
-    <a:lumMod val="50000"/>
-    <a:lumOff val="50000"/>
-  </cs:variation>
-</cs:colorStyle>
-</file>
-
-<file path=ppt/charts/style1.xml><?xml version="1.0" encoding="utf-8"?>
-<cs:chartStyle xmlns:cs="http://schemas.microsoft.com/office/drawing/2012/chartStyle" xmlns:a="http://schemas.openxmlformats.org/drawingml/2006/main" id="201">
-  <cs:axisTitle>
-    <cs:lnRef idx="0"/>
-    <cs:fillRef idx="0"/>
-    <cs:effectRef idx="0"/>
-    <cs:fontRef idx="minor">
-      <a:schemeClr val="tx1">
-        <a:lumMod val="65000"/>
-        <a:lumOff val="35000"/>
-      </a:schemeClr>
-    </cs:fontRef>
-    <cs:defRPr sz="1000" kern="1200"/>
-  </cs:axisTitle>
-  <cs:categoryAxis>
-    <cs:lnRef idx="0"/>
-    <cs:fillRef idx="0"/>
-    <cs:effectRef idx="0"/>
-    <cs:fontRef idx="minor">
-      <a:schemeClr val="tx1">
-        <a:lumMod val="65000"/>
-        <a:lumOff val="35000"/>
-      </a:schemeClr>
-    </cs:fontRef>
-    <cs:spPr>
-      <a:ln w="9525" cap="flat" cmpd="sng" algn="ctr">
-        <a:solidFill>
-          <a:schemeClr val="tx1">
-            <a:lumMod val="15000"/>
-            <a:lumOff val="85000"/>
-          </a:schemeClr>
-        </a:solidFill>
-        <a:round/>
-      </a:ln>
-    </cs:spPr>
-    <cs:defRPr sz="900" kern="1200"/>
-  </cs:categoryAxis>
-  <cs:chartArea mods="allowNoFillOverride allowNoLineOverride">
-    <cs:lnRef idx="0"/>
-    <cs:fillRef idx="0"/>
-    <cs:effectRef idx="0"/>
-    <cs:fontRef idx="minor">
-      <a:schemeClr val="tx1"/>
-    </cs:fontRef>
-    <cs:spPr>
-      <a:solidFill>
-        <a:schemeClr val="bg1"/>
-      </a:solidFill>
-      <a:ln w="9525" cap="flat" cmpd="sng" algn="ctr">
-        <a:solidFill>
-          <a:schemeClr val="tx1">
-            <a:lumMod val="15000"/>
-            <a:lumOff val="85000"/>
-          </a:schemeClr>
-        </a:solidFill>
-        <a:round/>
-      </a:ln>
-    </cs:spPr>
-    <cs:defRPr sz="1000" kern="1200"/>
-  </cs:chartArea>
-  <cs:dataLabel>
-    <cs:lnRef idx="0"/>
-    <cs:fillRef idx="0"/>
-    <cs:effectRef idx="0"/>
-    <cs:fontRef idx="minor">
-      <a:schemeClr val="tx1">
-        <a:lumMod val="75000"/>
-        <a:lumOff val="25000"/>
-      </a:schemeClr>
-    </cs:fontRef>
-    <cs:defRPr sz="900" kern="1200"/>
-  </cs:dataLabel>
-  <cs:dataLabelCallout>
-    <cs:lnRef idx="0"/>
-    <cs:fillRef idx="0"/>
-    <cs:effectRef idx="0"/>
-    <cs:fontRef idx="minor">
-      <a:schemeClr val="dk1">
-        <a:lumMod val="65000"/>
-        <a:lumOff val="35000"/>
-      </a:schemeClr>
-    </cs:fontRef>
-    <cs:spPr>
-      <a:solidFill>
-        <a:schemeClr val="lt1"/>
-      </a:solidFill>
-      <a:ln>
-        <a:solidFill>
-          <a:schemeClr val="dk1">
-            <a:lumMod val="25000"/>
-            <a:lumOff val="75000"/>
-          </a:schemeClr>
-        </a:solidFill>
-      </a:ln>
-    </cs:spPr>
-    <cs:defRPr sz="900" kern="1200"/>
-    <cs:bodyPr rot="0" spcFirstLastPara="1" vertOverflow="clip" horzOverflow="clip" vert="horz" wrap="square" lIns="36576" tIns="18288" rIns="36576" bIns="18288" anchor="ctr" anchorCtr="1">
-      <a:spAutoFit/>
-    </cs:bodyPr>
-  </cs:dataLabelCallout>
-  <cs:dataPoint>
-    <cs:lnRef idx="0"/>
-    <cs:fillRef idx="1">
-      <cs:styleClr val="auto"/>
-    </cs:fillRef>
-    <cs:effectRef idx="0"/>
-    <cs:fontRef idx="minor">
-      <a:schemeClr val="tx1"/>
-    </cs:fontRef>
-  </cs:dataPoint>
-  <cs:dataPoint3D>
-    <cs:lnRef idx="0"/>
-    <cs:fillRef idx="1">
-      <cs:styleClr val="auto"/>
-    </cs:fillRef>
-    <cs:effectRef idx="0"/>
-    <cs:fontRef idx="minor">
-      <a:schemeClr val="tx1"/>
-    </cs:fontRef>
-  </cs:dataPoint3D>
-  <cs:dataPointLine>
-    <cs:lnRef idx="0">
-      <cs:styleClr val="auto"/>
-    </cs:lnRef>
-    <cs:fillRef idx="1"/>
-    <cs:effectRef idx="0"/>
-    <cs:fontRef idx="minor">
-      <a:schemeClr val="tx1"/>
-    </cs:fontRef>
-    <cs:spPr>
-      <a:ln w="28575" cap="rnd">
-        <a:solidFill>
-          <a:schemeClr val="phClr"/>
-        </a:solidFill>
-        <a:round/>
-      </a:ln>
-    </cs:spPr>
-  </cs:dataPointLine>
-  <cs:dataPointMarker>
-    <cs:lnRef idx="0">
-      <cs:styleClr val="auto"/>
-    </cs:lnRef>
-    <cs:fillRef idx="1">
-      <cs:styleClr val="auto"/>
-    </cs:fillRef>
-    <cs:effectRef idx="0"/>
-    <cs:fontRef idx="minor">
-      <a:schemeClr val="tx1"/>
-    </cs:fontRef>
-    <cs:spPr>
-      <a:ln w="9525">
-        <a:solidFill>
-          <a:schemeClr val="phClr"/>
-        </a:solidFill>
-      </a:ln>
-    </cs:spPr>
-  </cs:dataPointMarker>
-  <cs:dataPointMarkerLayout symbol="circle" size="5"/>
-  <cs:dataPointWireframe>
-    <cs:lnRef idx="0">
-      <cs:styleClr val="auto"/>
-    </cs:lnRef>
-    <cs:fillRef idx="1"/>
-    <cs:effectRef idx="0"/>
-    <cs:fontRef idx="minor">
-      <a:schemeClr val="tx1"/>
-    </cs:fontRef>
-    <cs:spPr>
-      <a:ln w="9525" cap="rnd">
-        <a:solidFill>
-          <a:schemeClr val="phClr"/>
-        </a:solidFill>
-        <a:round/>
-      </a:ln>
-    </cs:spPr>
-  </cs:dataPointWireframe>
-  <cs:dataTable>
-    <cs:lnRef idx="0"/>
-    <cs:fillRef idx="0"/>
-    <cs:effectRef idx="0"/>
-    <cs:fontRef idx="minor">
-      <a:schemeClr val="tx1">
-        <a:lumMod val="65000"/>
-        <a:lumOff val="35000"/>
-      </a:schemeClr>
-    </cs:fontRef>
-    <cs:spPr>
-      <a:noFill/>
-      <a:ln w="9525" cap="flat" cmpd="sng" algn="ctr">
-        <a:solidFill>
-          <a:schemeClr val="tx1">
-            <a:lumMod val="15000"/>
-            <a:lumOff val="85000"/>
-          </a:schemeClr>
-        </a:solidFill>
-        <a:round/>
-      </a:ln>
-    </cs:spPr>
-    <cs:defRPr sz="900" kern="1200"/>
-  </cs:dataTable>
-  <cs:downBar>
-    <cs:lnRef idx="0"/>
-    <cs:fillRef idx="0"/>
-    <cs:effectRef idx="0"/>
-    <cs:fontRef idx="minor">
-      <a:schemeClr val="dk1"/>
-    </cs:fontRef>
-    <cs:spPr>
-      <a:solidFill>
-        <a:schemeClr val="dk1">
-          <a:lumMod val="65000"/>
-          <a:lumOff val="35000"/>
-        </a:schemeClr>
-      </a:solidFill>
-      <a:ln w="9525">
-        <a:solidFill>
-          <a:schemeClr val="tx1">
-            <a:lumMod val="65000"/>
-            <a:lumOff val="35000"/>
-          </a:schemeClr>
-        </a:solidFill>
-      </a:ln>
-    </cs:spPr>
-  </cs:downBar>
-  <cs:dropLine>
-    <cs:lnRef idx="0"/>
-    <cs:fillRef idx="0"/>
-    <cs:effectRef idx="0"/>
-    <cs:fontRef idx="minor">
-      <a:schemeClr val="tx1"/>
-    </cs:fontRef>
-    <cs:spPr>
-      <a:ln w="9525" cap="flat" cmpd="sng" algn="ctr">
-        <a:solidFill>
-          <a:schemeClr val="tx1">
-            <a:lumMod val="35000"/>
-            <a:lumOff val="65000"/>
-          </a:schemeClr>
-        </a:solidFill>
-        <a:round/>
-      </a:ln>
-    </cs:spPr>
-  </cs:dropLine>
-  <cs:errorBar>
-    <cs:lnRef idx="0"/>
-    <cs:fillRef idx="0"/>
-    <cs:effectRef idx="0"/>
-    <cs:fontRef idx="minor">
-      <a:schemeClr val="tx1"/>
-    </cs:fontRef>
-    <cs:spPr>
-      <a:ln w="9525" cap="flat" cmpd="sng" algn="ctr">
-        <a:solidFill>
-          <a:schemeClr val="tx1">
-            <a:lumMod val="65000"/>
-            <a:lumOff val="35000"/>
-          </a:schemeClr>
-        </a:solidFill>
-        <a:round/>
-      </a:ln>
-    </cs:spPr>
-  </cs:errorBar>
-  <cs:floor>
-    <cs:lnRef idx="0"/>
-    <cs:fillRef idx="0"/>
-    <cs:effectRef idx="0"/>
-    <cs:fontRef idx="minor">
-      <a:schemeClr val="tx1"/>
-    </cs:fontRef>
-    <cs:spPr>
-      <a:noFill/>
-      <a:ln>
-        <a:noFill/>
-      </a:ln>
-    </cs:spPr>
-  </cs:floor>
-  <cs:gridlineMajor>
-    <cs:lnRef idx="0"/>
-    <cs:fillRef idx="0"/>
-    <cs:effectRef idx="0"/>
-    <cs:fontRef idx="minor">
-      <a:schemeClr val="tx1"/>
-    </cs:fontRef>
-    <cs:spPr>
-      <a:ln w="9525" cap="flat" cmpd="sng" algn="ctr">
-        <a:solidFill>
-          <a:schemeClr val="tx1">
-            <a:lumMod val="15000"/>
-            <a:lumOff val="85000"/>
-          </a:schemeClr>
-        </a:solidFill>
-        <a:round/>
-      </a:ln>
-    </cs:spPr>
-  </cs:gridlineMajor>
-  <cs:gridlineMinor>
-    <cs:lnRef idx="0"/>
-    <cs:fillRef idx="0"/>
-    <cs:effectRef idx="0"/>
-    <cs:fontRef idx="minor">
-      <a:schemeClr val="tx1"/>
-    </cs:fontRef>
-    <cs:spPr>
-      <a:ln w="9525" cap="flat" cmpd="sng" algn="ctr">
-        <a:solidFill>
-          <a:schemeClr val="tx1">
-            <a:lumMod val="5000"/>
-            <a:lumOff val="95000"/>
-          </a:schemeClr>
-        </a:solidFill>
-        <a:round/>
-      </a:ln>
-    </cs:spPr>
-  </cs:gridlineMinor>
-  <cs:hiLoLine>
-    <cs:lnRef idx="0"/>
-    <cs:fillRef idx="0"/>
-    <cs:effectRef idx="0"/>
-    <cs:fontRef idx="minor">
-      <a:schemeClr val="tx1"/>
-    </cs:fontRef>
-    <cs:spPr>
-      <a:ln w="9525" cap="flat" cmpd="sng" algn="ctr">
-        <a:solidFill>
-          <a:schemeClr val="tx1">
-            <a:lumMod val="75000"/>
-            <a:lumOff val="25000"/>
-          </a:schemeClr>
-        </a:solidFill>
-        <a:round/>
-      </a:ln>
-    </cs:spPr>
-  </cs:hiLoLine>
-  <cs:leaderLine>
-    <cs:lnRef idx="0"/>
-    <cs:fillRef idx="0"/>
-    <cs:effectRef idx="0"/>
-    <cs:fontRef idx="minor">
-      <a:schemeClr val="tx1"/>
-    </cs:fontRef>
-    <cs:spPr>
-      <a:ln w="9525" cap="flat" cmpd="sng" algn="ctr">
-        <a:solidFill>
-          <a:schemeClr val="tx1">
-            <a:lumMod val="35000"/>
-            <a:lumOff val="65000"/>
-          </a:schemeClr>
-        </a:solidFill>
-        <a:round/>
-      </a:ln>
-    </cs:spPr>
-  </cs:leaderLine>
-  <cs:legend>
-    <cs:lnRef idx="0"/>
-    <cs:fillRef idx="0"/>
-    <cs:effectRef idx="0"/>
-    <cs:fontRef idx="minor">
-      <a:schemeClr val="tx1">
-        <a:lumMod val="65000"/>
-        <a:lumOff val="35000"/>
-      </a:schemeClr>
-    </cs:fontRef>
-    <cs:defRPr sz="900" kern="1200"/>
-  </cs:legend>
-  <cs:plotArea mods="allowNoFillOverride allowNoLineOverride">
-    <cs:lnRef idx="0"/>
-    <cs:fillRef idx="0"/>
-    <cs:effectRef idx="0"/>
-    <cs:fontRef idx="minor">
-      <a:schemeClr val="tx1"/>
-    </cs:fontRef>
-  </cs:plotArea>
-  <cs:plotArea3D mods="allowNoFillOverride allowNoLineOverride">
-    <cs:lnRef idx="0"/>
-    <cs:fillRef idx="0"/>
-    <cs:effectRef idx="0"/>
-    <cs:fontRef idx="minor">
-      <a:schemeClr val="tx1"/>
-    </cs:fontRef>
-  </cs:plotArea3D>
-  <cs:seriesAxis>
-    <cs:lnRef idx="0"/>
-    <cs:fillRef idx="0"/>
-    <cs:effectRef idx="0"/>
-    <cs:fontRef idx="minor">
-      <a:schemeClr val="tx1">
-        <a:lumMod val="65000"/>
-        <a:lumOff val="35000"/>
-      </a:schemeClr>
-    </cs:fontRef>
-    <cs:defRPr sz="900" kern="1200"/>
-  </cs:seriesAxis>
-  <cs:seriesLine>
-    <cs:lnRef idx="0"/>
-    <cs:fillRef idx="0"/>
-    <cs:effectRef idx="0"/>
-    <cs:fontRef idx="minor">
-      <a:schemeClr val="tx1"/>
-    </cs:fontRef>
-    <cs:spPr>
-      <a:ln w="9525" cap="flat" cmpd="sng" algn="ctr">
-        <a:solidFill>
-          <a:schemeClr val="tx1">
-            <a:lumMod val="35000"/>
-            <a:lumOff val="65000"/>
-          </a:schemeClr>
-        </a:solidFill>
-        <a:round/>
-      </a:ln>
-    </cs:spPr>
-  </cs:seriesLine>
-  <cs:title>
-    <cs:lnRef idx="0"/>
-    <cs:fillRef idx="0"/>
-    <cs:effectRef idx="0"/>
-    <cs:fontRef idx="minor">
-      <a:schemeClr val="tx1">
-        <a:lumMod val="65000"/>
-        <a:lumOff val="35000"/>
-      </a:schemeClr>
-    </cs:fontRef>
-    <cs:defRPr sz="1400" b="0" kern="1200" spc="0" baseline="0"/>
-  </cs:title>
-  <cs:trendline>
-    <cs:lnRef idx="0">
-      <cs:styleClr val="auto"/>
-    </cs:lnRef>
-    <cs:fillRef idx="0"/>
-    <cs:effectRef idx="0"/>
-    <cs:fontRef idx="minor">
-      <a:schemeClr val="tx1"/>
-    </cs:fontRef>
-    <cs:spPr>
-      <a:ln w="19050" cap="rnd">
-        <a:solidFill>
-          <a:schemeClr val="phClr"/>
-        </a:solidFill>
-        <a:prstDash val="sysDot"/>
-      </a:ln>
-    </cs:spPr>
-  </cs:trendline>
-  <cs:trendlineLabel>
-    <cs:lnRef idx="0"/>
-    <cs:fillRef idx="0"/>
-    <cs:effectRef idx="0"/>
-    <cs:fontRef idx="minor">
-      <a:schemeClr val="tx1">
-        <a:lumMod val="65000"/>
-        <a:lumOff val="35000"/>
-      </a:schemeClr>
-    </cs:fontRef>
-    <cs:defRPr sz="900" kern="1200"/>
-  </cs:trendlineLabel>
-  <cs:upBar>
-    <cs:lnRef idx="0"/>
-    <cs:fillRef idx="0"/>
-    <cs:effectRef idx="0"/>
-    <cs:fontRef idx="minor">
-      <a:schemeClr val="dk1"/>
-    </cs:fontRef>
-    <cs:spPr>
-      <a:solidFill>
-        <a:schemeClr val="lt1"/>
-      </a:solidFill>
-      <a:ln w="9525">
-        <a:solidFill>
-          <a:schemeClr val="tx1">
-            <a:lumMod val="15000"/>
-            <a:lumOff val="85000"/>
-          </a:schemeClr>
-        </a:solidFill>
-      </a:ln>
-    </cs:spPr>
-  </cs:upBar>
-  <cs:valueAxis>
-    <cs:lnRef idx="0"/>
-    <cs:fillRef idx="0"/>
-    <cs:effectRef idx="0"/>
-    <cs:fontRef idx="minor">
-      <a:schemeClr val="tx1">
-        <a:lumMod val="65000"/>
-        <a:lumOff val="35000"/>
-      </a:schemeClr>
-    </cs:fontRef>
-    <cs:defRPr sz="900" kern="1200"/>
-  </cs:valueAxis>
-  <cs:wall>
-    <cs:lnRef idx="0"/>
-    <cs:fillRef idx="0"/>
-    <cs:effectRef idx="0"/>
-    <cs:fontRef idx="minor">
-      <a:schemeClr val="tx1"/>
-    </cs:fontRef>
-    <cs:spPr>
-      <a:noFill/>
-      <a:ln>
-        <a:noFill/>
-      </a:ln>
-    </cs:spPr>
-  </cs:wall>
-</cs:chartStyle>
-</file>
-
 <file path=ppt/notesMasters/notesMaster1.xml><?xml version="1.0" encoding="utf-8"?>
 <p:notesMaster xmlns:a="http://schemas.openxmlformats.org/drawingml/2006/main" xmlns:r="http://schemas.openxmlformats.org/officeDocument/2006/relationships" xmlns:p="http://schemas.openxmlformats.org/presentationml/2006/main">
   <p:cSld>
@@ -1122,7 +208,7 @@
           <a:p>
             <a:fld id="{D363F016-229C-42C1-BB9A-17D109E00F9E}" type="datetimeFigureOut">
               <a:rPr lang="en-US" smtClean="0"/>
-              <a:t>4/9/2019</a:t>
+              <a:t>4/10/2019</a:t>
             </a:fld>
             <a:endParaRPr lang="en-US"/>
           </a:p>
@@ -1604,7 +690,7 @@
           <a:p>
             <a:fld id="{651A4ED9-8B4C-0648-9464-DB0F494C2DC2}" type="datetimeFigureOut">
               <a:rPr lang="en-US" smtClean="0"/>
-              <a:t>4/9/2019</a:t>
+              <a:t>4/10/2019</a:t>
             </a:fld>
             <a:endParaRPr lang="en-US"/>
           </a:p>
@@ -1774,7 +860,7 @@
           <a:p>
             <a:fld id="{651A4ED9-8B4C-0648-9464-DB0F494C2DC2}" type="datetimeFigureOut">
               <a:rPr lang="en-US" smtClean="0"/>
-              <a:t>4/9/2019</a:t>
+              <a:t>4/10/2019</a:t>
             </a:fld>
             <a:endParaRPr lang="en-US"/>
           </a:p>
@@ -1954,7 +1040,7 @@
           <a:p>
             <a:fld id="{651A4ED9-8B4C-0648-9464-DB0F494C2DC2}" type="datetimeFigureOut">
               <a:rPr lang="en-US" smtClean="0"/>
-              <a:t>4/9/2019</a:t>
+              <a:t>4/10/2019</a:t>
             </a:fld>
             <a:endParaRPr lang="en-US"/>
           </a:p>
@@ -2124,7 +1210,7 @@
           <a:p>
             <a:fld id="{651A4ED9-8B4C-0648-9464-DB0F494C2DC2}" type="datetimeFigureOut">
               <a:rPr lang="en-US" smtClean="0"/>
-              <a:t>4/9/2019</a:t>
+              <a:t>4/10/2019</a:t>
             </a:fld>
             <a:endParaRPr lang="en-US"/>
           </a:p>
@@ -2368,7 +1454,7 @@
           <a:p>
             <a:fld id="{651A4ED9-8B4C-0648-9464-DB0F494C2DC2}" type="datetimeFigureOut">
               <a:rPr lang="en-US" smtClean="0"/>
-              <a:t>4/9/2019</a:t>
+              <a:t>4/10/2019</a:t>
             </a:fld>
             <a:endParaRPr lang="en-US"/>
           </a:p>
@@ -2600,7 +1686,7 @@
           <a:p>
             <a:fld id="{651A4ED9-8B4C-0648-9464-DB0F494C2DC2}" type="datetimeFigureOut">
               <a:rPr lang="en-US" smtClean="0"/>
-              <a:t>4/9/2019</a:t>
+              <a:t>4/10/2019</a:t>
             </a:fld>
             <a:endParaRPr lang="en-US"/>
           </a:p>
@@ -2967,7 +2053,7 @@
           <a:p>
             <a:fld id="{651A4ED9-8B4C-0648-9464-DB0F494C2DC2}" type="datetimeFigureOut">
               <a:rPr lang="en-US" smtClean="0"/>
-              <a:t>4/9/2019</a:t>
+              <a:t>4/10/2019</a:t>
             </a:fld>
             <a:endParaRPr lang="en-US"/>
           </a:p>
@@ -3085,7 +2171,7 @@
           <a:p>
             <a:fld id="{651A4ED9-8B4C-0648-9464-DB0F494C2DC2}" type="datetimeFigureOut">
               <a:rPr lang="en-US" smtClean="0"/>
-              <a:t>4/9/2019</a:t>
+              <a:t>4/10/2019</a:t>
             </a:fld>
             <a:endParaRPr lang="en-US"/>
           </a:p>
@@ -3180,7 +2266,7 @@
           <a:p>
             <a:fld id="{651A4ED9-8B4C-0648-9464-DB0F494C2DC2}" type="datetimeFigureOut">
               <a:rPr lang="en-US" smtClean="0"/>
-              <a:t>4/9/2019</a:t>
+              <a:t>4/10/2019</a:t>
             </a:fld>
             <a:endParaRPr lang="en-US"/>
           </a:p>
@@ -3457,7 +2543,7 @@
           <a:p>
             <a:fld id="{651A4ED9-8B4C-0648-9464-DB0F494C2DC2}" type="datetimeFigureOut">
               <a:rPr lang="en-US" smtClean="0"/>
-              <a:t>4/9/2019</a:t>
+              <a:t>4/10/2019</a:t>
             </a:fld>
             <a:endParaRPr lang="en-US"/>
           </a:p>
@@ -3714,7 +2800,7 @@
           <a:p>
             <a:fld id="{651A4ED9-8B4C-0648-9464-DB0F494C2DC2}" type="datetimeFigureOut">
               <a:rPr lang="en-US" smtClean="0"/>
-              <a:t>4/9/2019</a:t>
+              <a:t>4/10/2019</a:t>
             </a:fld>
             <a:endParaRPr lang="en-US"/>
           </a:p>
@@ -3927,7 +3013,7 @@
           <a:p>
             <a:fld id="{651A4ED9-8B4C-0648-9464-DB0F494C2DC2}" type="datetimeFigureOut">
               <a:rPr lang="en-US" smtClean="0"/>
-              <a:t>4/9/2019</a:t>
+              <a:t>4/10/2019</a:t>
             </a:fld>
             <a:endParaRPr lang="en-US"/>
           </a:p>
@@ -4790,7 +3876,7 @@
         </p:nvSpPr>
         <p:spPr>
           <a:xfrm>
-            <a:off x="12991765" y="26476209"/>
+            <a:off x="13242048" y="26180967"/>
             <a:ext cx="12499007" cy="1754326"/>
           </a:xfrm>
           <a:prstGeom prst="rect">
@@ -4969,7 +4055,7 @@
         </p:nvSpPr>
         <p:spPr>
           <a:xfrm>
-            <a:off x="18605057" y="15646935"/>
+            <a:off x="18225716" y="17992595"/>
             <a:ext cx="1859797" cy="646331"/>
           </a:xfrm>
           <a:prstGeom prst="rect">
@@ -4992,31 +4078,756 @@
       </p:sp>
       <p:graphicFrame>
         <p:nvGraphicFramePr>
-          <p:cNvPr id="18" name="Chart 17">
+          <p:cNvPr id="10" name="Table 9">
             <a:extLst>
               <a:ext uri="{FF2B5EF4-FFF2-40B4-BE49-F238E27FC236}">
-                <a16:creationId xmlns:a16="http://schemas.microsoft.com/office/drawing/2014/main" id="{3C7CD0C4-F984-4B84-A366-B3563B6DFB61}"/>
+                <a16:creationId xmlns:a16="http://schemas.microsoft.com/office/drawing/2014/main" id="{D9D148FB-2250-483B-852E-32EA9D6B9D84}"/>
               </a:ext>
             </a:extLst>
           </p:cNvPr>
           <p:cNvGraphicFramePr>
-            <a:graphicFrameLocks/>
+            <a:graphicFrameLocks noGrp="1"/>
           </p:cNvGraphicFramePr>
           <p:nvPr>
             <p:extLst>
               <p:ext uri="{D42A27DB-BD31-4B8C-83A1-F6EECF244321}">
-                <p14:modId xmlns:p14="http://schemas.microsoft.com/office/powerpoint/2010/main" val="957693339"/>
+                <p14:modId xmlns:p14="http://schemas.microsoft.com/office/powerpoint/2010/main" val="1746179930"/>
               </p:ext>
             </p:extLst>
           </p:nvPr>
         </p:nvGraphicFramePr>
         <p:xfrm>
-          <a:off x="12991766" y="17186122"/>
-          <a:ext cx="12499007" cy="9201770"/>
+          <a:off x="14378828" y="21135880"/>
+          <a:ext cx="9899302" cy="2321996"/>
         </p:xfrm>
         <a:graphic>
-          <a:graphicData uri="http://schemas.openxmlformats.org/drawingml/2006/chart">
-            <c:chart xmlns:c="http://schemas.openxmlformats.org/drawingml/2006/chart" xmlns:r="http://schemas.openxmlformats.org/officeDocument/2006/relationships" r:id="rId7"/>
+          <a:graphicData uri="http://schemas.openxmlformats.org/drawingml/2006/table">
+            <a:tbl>
+              <a:tblPr/>
+              <a:tblGrid>
+                <a:gridCol w="2157046">
+                  <a:extLst>
+                    <a:ext uri="{9D8B030D-6E8A-4147-A177-3AD203B41FA5}">
+                      <a16:colId xmlns:a16="http://schemas.microsoft.com/office/drawing/2014/main" val="2448842132"/>
+                    </a:ext>
+                  </a:extLst>
+                </a:gridCol>
+                <a:gridCol w="2750234">
+                  <a:extLst>
+                    <a:ext uri="{9D8B030D-6E8A-4147-A177-3AD203B41FA5}">
+                      <a16:colId xmlns:a16="http://schemas.microsoft.com/office/drawing/2014/main" val="4195102037"/>
+                    </a:ext>
+                  </a:extLst>
+                </a:gridCol>
+                <a:gridCol w="2095417">
+                  <a:extLst>
+                    <a:ext uri="{9D8B030D-6E8A-4147-A177-3AD203B41FA5}">
+                      <a16:colId xmlns:a16="http://schemas.microsoft.com/office/drawing/2014/main" val="874871709"/>
+                    </a:ext>
+                  </a:extLst>
+                </a:gridCol>
+                <a:gridCol w="2896605">
+                  <a:extLst>
+                    <a:ext uri="{9D8B030D-6E8A-4147-A177-3AD203B41FA5}">
+                      <a16:colId xmlns:a16="http://schemas.microsoft.com/office/drawing/2014/main" val="3400877332"/>
+                    </a:ext>
+                  </a:extLst>
+                </a:gridCol>
+              </a:tblGrid>
+              <a:tr h="994095">
+                <a:tc>
+                  <a:txBody>
+                    <a:bodyPr/>
+                    <a:lstStyle/>
+                    <a:p>
+                      <a:pPr algn="ctr" fontAlgn="b"/>
+                      <a:r>
+                        <a:rPr lang="en-US" sz="3200" b="1" i="0" u="none" strike="noStrike" dirty="0">
+                          <a:solidFill>
+                            <a:srgbClr val="FFFFFF"/>
+                          </a:solidFill>
+                          <a:effectLst/>
+                          <a:latin typeface="Calibri" panose="020F0502020204030204" pitchFamily="34" charset="0"/>
+                        </a:rPr>
+                        <a:t>First Player</a:t>
+                      </a:r>
+                    </a:p>
+                  </a:txBody>
+                  <a:tcPr marL="9525" marR="9525" marT="9525" marB="0" anchor="b">
+                    <a:lnL w="6350" cap="flat" cmpd="sng" algn="ctr">
+                      <a:solidFill>
+                        <a:srgbClr val="8EA9DB"/>
+                      </a:solidFill>
+                      <a:prstDash val="solid"/>
+                      <a:round/>
+                      <a:headEnd type="none" w="med" len="med"/>
+                      <a:tailEnd type="none" w="med" len="med"/>
+                    </a:lnL>
+                    <a:lnR>
+                      <a:noFill/>
+                    </a:lnR>
+                    <a:lnT w="6350" cap="flat" cmpd="sng" algn="ctr">
+                      <a:solidFill>
+                        <a:srgbClr val="8EA9DB"/>
+                      </a:solidFill>
+                      <a:prstDash val="solid"/>
+                      <a:round/>
+                      <a:headEnd type="none" w="med" len="med"/>
+                      <a:tailEnd type="none" w="med" len="med"/>
+                    </a:lnT>
+                    <a:lnB w="6350" cap="flat" cmpd="sng" algn="ctr">
+                      <a:solidFill>
+                        <a:srgbClr val="8EA9DB"/>
+                      </a:solidFill>
+                      <a:prstDash val="solid"/>
+                      <a:round/>
+                      <a:headEnd type="none" w="med" len="med"/>
+                      <a:tailEnd type="none" w="med" len="med"/>
+                    </a:lnB>
+                    <a:solidFill>
+                      <a:srgbClr val="4472C4"/>
+                    </a:solidFill>
+                  </a:tcPr>
+                </a:tc>
+                <a:tc>
+                  <a:txBody>
+                    <a:bodyPr/>
+                    <a:lstStyle/>
+                    <a:p>
+                      <a:pPr algn="ctr" fontAlgn="b"/>
+                      <a:r>
+                        <a:rPr lang="en-US" sz="3200" b="1" i="0" u="none" strike="noStrike" dirty="0">
+                          <a:solidFill>
+                            <a:srgbClr val="FFFFFF"/>
+                          </a:solidFill>
+                          <a:effectLst/>
+                          <a:latin typeface="Calibri" panose="020F0502020204030204" pitchFamily="34" charset="0"/>
+                        </a:rPr>
+                        <a:t>Dobot Win</a:t>
+                      </a:r>
+                    </a:p>
+                  </a:txBody>
+                  <a:tcPr marL="9525" marR="9525" marT="9525" marB="0" anchor="b">
+                    <a:lnL>
+                      <a:noFill/>
+                    </a:lnL>
+                    <a:lnR>
+                      <a:noFill/>
+                    </a:lnR>
+                    <a:lnT w="6350" cap="flat" cmpd="sng" algn="ctr">
+                      <a:solidFill>
+                        <a:srgbClr val="8EA9DB"/>
+                      </a:solidFill>
+                      <a:prstDash val="solid"/>
+                      <a:round/>
+                      <a:headEnd type="none" w="med" len="med"/>
+                      <a:tailEnd type="none" w="med" len="med"/>
+                    </a:lnT>
+                    <a:lnB w="6350" cap="flat" cmpd="sng" algn="ctr">
+                      <a:solidFill>
+                        <a:srgbClr val="8EA9DB"/>
+                      </a:solidFill>
+                      <a:prstDash val="solid"/>
+                      <a:round/>
+                      <a:headEnd type="none" w="med" len="med"/>
+                      <a:tailEnd type="none" w="med" len="med"/>
+                    </a:lnB>
+                    <a:solidFill>
+                      <a:srgbClr val="4472C4"/>
+                    </a:solidFill>
+                  </a:tcPr>
+                </a:tc>
+                <a:tc>
+                  <a:txBody>
+                    <a:bodyPr/>
+                    <a:lstStyle/>
+                    <a:p>
+                      <a:pPr algn="ctr" fontAlgn="b"/>
+                      <a:r>
+                        <a:rPr lang="en-US" sz="3200" b="1" i="0" u="none" strike="noStrike" dirty="0">
+                          <a:solidFill>
+                            <a:srgbClr val="FFFFFF"/>
+                          </a:solidFill>
+                          <a:effectLst/>
+                          <a:latin typeface="Calibri" panose="020F0502020204030204" pitchFamily="34" charset="0"/>
+                        </a:rPr>
+                        <a:t>Player Win</a:t>
+                      </a:r>
+                    </a:p>
+                  </a:txBody>
+                  <a:tcPr marL="9525" marR="9525" marT="9525" marB="0" anchor="b">
+                    <a:lnL>
+                      <a:noFill/>
+                    </a:lnL>
+                    <a:lnR>
+                      <a:noFill/>
+                    </a:lnR>
+                    <a:lnT w="6350" cap="flat" cmpd="sng" algn="ctr">
+                      <a:solidFill>
+                        <a:srgbClr val="8EA9DB"/>
+                      </a:solidFill>
+                      <a:prstDash val="solid"/>
+                      <a:round/>
+                      <a:headEnd type="none" w="med" len="med"/>
+                      <a:tailEnd type="none" w="med" len="med"/>
+                    </a:lnT>
+                    <a:lnB w="6350" cap="flat" cmpd="sng" algn="ctr">
+                      <a:solidFill>
+                        <a:srgbClr val="8EA9DB"/>
+                      </a:solidFill>
+                      <a:prstDash val="solid"/>
+                      <a:round/>
+                      <a:headEnd type="none" w="med" len="med"/>
+                      <a:tailEnd type="none" w="med" len="med"/>
+                    </a:lnB>
+                    <a:solidFill>
+                      <a:srgbClr val="4472C4"/>
+                    </a:solidFill>
+                  </a:tcPr>
+                </a:tc>
+                <a:tc>
+                  <a:txBody>
+                    <a:bodyPr/>
+                    <a:lstStyle/>
+                    <a:p>
+                      <a:pPr algn="ctr" fontAlgn="b"/>
+                      <a:r>
+                        <a:rPr lang="en-US" sz="3200" b="1" i="0" u="none" strike="noStrike" dirty="0">
+                          <a:solidFill>
+                            <a:srgbClr val="FFFFFF"/>
+                          </a:solidFill>
+                          <a:effectLst/>
+                          <a:latin typeface="Calibri" panose="020F0502020204030204" pitchFamily="34" charset="0"/>
+                        </a:rPr>
+                        <a:t>Ties</a:t>
+                      </a:r>
+                    </a:p>
+                  </a:txBody>
+                  <a:tcPr marL="9525" marR="9525" marT="9525" marB="0" anchor="b">
+                    <a:lnL>
+                      <a:noFill/>
+                    </a:lnL>
+                    <a:lnR w="6350" cap="flat" cmpd="sng" algn="ctr">
+                      <a:solidFill>
+                        <a:srgbClr val="8EA9DB"/>
+                      </a:solidFill>
+                      <a:prstDash val="solid"/>
+                      <a:round/>
+                      <a:headEnd type="none" w="med" len="med"/>
+                      <a:tailEnd type="none" w="med" len="med"/>
+                    </a:lnR>
+                    <a:lnT w="6350" cap="flat" cmpd="sng" algn="ctr">
+                      <a:solidFill>
+                        <a:srgbClr val="8EA9DB"/>
+                      </a:solidFill>
+                      <a:prstDash val="solid"/>
+                      <a:round/>
+                      <a:headEnd type="none" w="med" len="med"/>
+                      <a:tailEnd type="none" w="med" len="med"/>
+                    </a:lnT>
+                    <a:lnB w="6350" cap="flat" cmpd="sng" algn="ctr">
+                      <a:solidFill>
+                        <a:srgbClr val="8EA9DB"/>
+                      </a:solidFill>
+                      <a:prstDash val="solid"/>
+                      <a:round/>
+                      <a:headEnd type="none" w="med" len="med"/>
+                      <a:tailEnd type="none" w="med" len="med"/>
+                    </a:lnB>
+                    <a:solidFill>
+                      <a:srgbClr val="4472C4"/>
+                    </a:solidFill>
+                  </a:tcPr>
+                </a:tc>
+                <a:extLst>
+                  <a:ext uri="{0D108BD9-81ED-4DB2-BD59-A6C34878D82A}">
+                    <a16:rowId xmlns:a16="http://schemas.microsoft.com/office/drawing/2014/main" val="1686763944"/>
+                  </a:ext>
+                </a:extLst>
+              </a:tr>
+              <a:tr h="664873">
+                <a:tc>
+                  <a:txBody>
+                    <a:bodyPr/>
+                    <a:lstStyle/>
+                    <a:p>
+                      <a:pPr algn="ctr" fontAlgn="b"/>
+                      <a:r>
+                        <a:rPr lang="en-US" sz="3200" b="0" i="0" u="none" strike="noStrike" dirty="0">
+                          <a:solidFill>
+                            <a:srgbClr val="000000"/>
+                          </a:solidFill>
+                          <a:effectLst/>
+                          <a:latin typeface="Calibri" panose="020F0502020204030204" pitchFamily="34" charset="0"/>
+                        </a:rPr>
+                        <a:t>Dobot</a:t>
+                      </a:r>
+                    </a:p>
+                  </a:txBody>
+                  <a:tcPr marL="9525" marR="9525" marT="9525" marB="0" anchor="b">
+                    <a:lnL w="6350" cap="flat" cmpd="sng" algn="ctr">
+                      <a:solidFill>
+                        <a:srgbClr val="8EA9DB"/>
+                      </a:solidFill>
+                      <a:prstDash val="solid"/>
+                      <a:round/>
+                      <a:headEnd type="none" w="med" len="med"/>
+                      <a:tailEnd type="none" w="med" len="med"/>
+                    </a:lnL>
+                    <a:lnR w="12700" cap="flat" cmpd="sng" algn="ctr">
+                      <a:solidFill>
+                        <a:schemeClr val="tx1"/>
+                      </a:solidFill>
+                      <a:prstDash val="solid"/>
+                      <a:round/>
+                      <a:headEnd type="none" w="med" len="med"/>
+                      <a:tailEnd type="none" w="med" len="med"/>
+                    </a:lnR>
+                    <a:lnT w="6350" cap="flat" cmpd="sng" algn="ctr">
+                      <a:solidFill>
+                        <a:srgbClr val="8EA9DB"/>
+                      </a:solidFill>
+                      <a:prstDash val="solid"/>
+                      <a:round/>
+                      <a:headEnd type="none" w="med" len="med"/>
+                      <a:tailEnd type="none" w="med" len="med"/>
+                    </a:lnT>
+                    <a:lnB w="6350" cap="flat" cmpd="sng" algn="ctr">
+                      <a:solidFill>
+                        <a:srgbClr val="8EA9DB"/>
+                      </a:solidFill>
+                      <a:prstDash val="solid"/>
+                      <a:round/>
+                      <a:headEnd type="none" w="med" len="med"/>
+                      <a:tailEnd type="none" w="med" len="med"/>
+                    </a:lnB>
+                    <a:solidFill>
+                      <a:srgbClr val="D9E1F2"/>
+                    </a:solidFill>
+                  </a:tcPr>
+                </a:tc>
+                <a:tc>
+                  <a:txBody>
+                    <a:bodyPr/>
+                    <a:lstStyle/>
+                    <a:p>
+                      <a:pPr algn="ctr" fontAlgn="b"/>
+                      <a:r>
+                        <a:rPr lang="en-US" sz="3200" b="0" i="0" u="none" strike="noStrike" dirty="0">
+                          <a:solidFill>
+                            <a:srgbClr val="000000"/>
+                          </a:solidFill>
+                          <a:effectLst/>
+                          <a:latin typeface="Calibri" panose="020F0502020204030204" pitchFamily="34" charset="0"/>
+                        </a:rPr>
+                        <a:t>38.50%</a:t>
+                      </a:r>
+                    </a:p>
+                  </a:txBody>
+                  <a:tcPr marL="9525" marR="9525" marT="9525" marB="0" anchor="b">
+                    <a:lnL w="12700" cap="flat" cmpd="sng" algn="ctr">
+                      <a:solidFill>
+                        <a:schemeClr val="tx1"/>
+                      </a:solidFill>
+                      <a:prstDash val="solid"/>
+                      <a:round/>
+                      <a:headEnd type="none" w="med" len="med"/>
+                      <a:tailEnd type="none" w="med" len="med"/>
+                    </a:lnL>
+                    <a:lnR w="12700" cap="flat" cmpd="sng" algn="ctr">
+                      <a:solidFill>
+                        <a:schemeClr val="tx1"/>
+                      </a:solidFill>
+                      <a:prstDash val="solid"/>
+                      <a:round/>
+                      <a:headEnd type="none" w="med" len="med"/>
+                      <a:tailEnd type="none" w="med" len="med"/>
+                    </a:lnR>
+                    <a:lnT w="6350" cap="flat" cmpd="sng" algn="ctr">
+                      <a:solidFill>
+                        <a:srgbClr val="8EA9DB"/>
+                      </a:solidFill>
+                      <a:prstDash val="solid"/>
+                      <a:round/>
+                      <a:headEnd type="none" w="med" len="med"/>
+                      <a:tailEnd type="none" w="med" len="med"/>
+                    </a:lnT>
+                    <a:lnB w="6350" cap="flat" cmpd="sng" algn="ctr">
+                      <a:solidFill>
+                        <a:srgbClr val="8EA9DB"/>
+                      </a:solidFill>
+                      <a:prstDash val="solid"/>
+                      <a:round/>
+                      <a:headEnd type="none" w="med" len="med"/>
+                      <a:tailEnd type="none" w="med" len="med"/>
+                    </a:lnB>
+                    <a:solidFill>
+                      <a:srgbClr val="D9E1F2"/>
+                    </a:solidFill>
+                  </a:tcPr>
+                </a:tc>
+                <a:tc>
+                  <a:txBody>
+                    <a:bodyPr/>
+                    <a:lstStyle/>
+                    <a:p>
+                      <a:pPr algn="ctr" fontAlgn="b"/>
+                      <a:r>
+                        <a:rPr lang="en-US" sz="3200" b="0" i="0" u="none" strike="noStrike" dirty="0">
+                          <a:solidFill>
+                            <a:srgbClr val="000000"/>
+                          </a:solidFill>
+                          <a:effectLst/>
+                          <a:latin typeface="Calibri" panose="020F0502020204030204" pitchFamily="34" charset="0"/>
+                        </a:rPr>
+                        <a:t>15%</a:t>
+                      </a:r>
+                    </a:p>
+                  </a:txBody>
+                  <a:tcPr marL="9525" marR="9525" marT="9525" marB="0" anchor="b">
+                    <a:lnL w="12700" cap="flat" cmpd="sng" algn="ctr">
+                      <a:solidFill>
+                        <a:schemeClr val="tx1"/>
+                      </a:solidFill>
+                      <a:prstDash val="solid"/>
+                      <a:round/>
+                      <a:headEnd type="none" w="med" len="med"/>
+                      <a:tailEnd type="none" w="med" len="med"/>
+                    </a:lnL>
+                    <a:lnR w="12700" cap="flat" cmpd="sng" algn="ctr">
+                      <a:solidFill>
+                        <a:schemeClr val="tx1"/>
+                      </a:solidFill>
+                      <a:prstDash val="solid"/>
+                      <a:round/>
+                      <a:headEnd type="none" w="med" len="med"/>
+                      <a:tailEnd type="none" w="med" len="med"/>
+                    </a:lnR>
+                    <a:lnT w="6350" cap="flat" cmpd="sng" algn="ctr">
+                      <a:solidFill>
+                        <a:srgbClr val="8EA9DB"/>
+                      </a:solidFill>
+                      <a:prstDash val="solid"/>
+                      <a:round/>
+                      <a:headEnd type="none" w="med" len="med"/>
+                      <a:tailEnd type="none" w="med" len="med"/>
+                    </a:lnT>
+                    <a:lnB w="6350" cap="flat" cmpd="sng" algn="ctr">
+                      <a:solidFill>
+                        <a:srgbClr val="8EA9DB"/>
+                      </a:solidFill>
+                      <a:prstDash val="solid"/>
+                      <a:round/>
+                      <a:headEnd type="none" w="med" len="med"/>
+                      <a:tailEnd type="none" w="med" len="med"/>
+                    </a:lnB>
+                    <a:solidFill>
+                      <a:srgbClr val="D9E1F2"/>
+                    </a:solidFill>
+                  </a:tcPr>
+                </a:tc>
+                <a:tc>
+                  <a:txBody>
+                    <a:bodyPr/>
+                    <a:lstStyle/>
+                    <a:p>
+                      <a:pPr algn="ctr" fontAlgn="b"/>
+                      <a:r>
+                        <a:rPr lang="en-US" sz="3200" b="0" i="0" u="none" strike="noStrike" dirty="0">
+                          <a:solidFill>
+                            <a:srgbClr val="000000"/>
+                          </a:solidFill>
+                          <a:effectLst/>
+                          <a:latin typeface="Calibri" panose="020F0502020204030204" pitchFamily="34" charset="0"/>
+                        </a:rPr>
+                        <a:t>46%</a:t>
+                      </a:r>
+                    </a:p>
+                  </a:txBody>
+                  <a:tcPr marL="9525" marR="9525" marT="9525" marB="0" anchor="b">
+                    <a:lnL w="12700" cap="flat" cmpd="sng" algn="ctr">
+                      <a:solidFill>
+                        <a:schemeClr val="tx1"/>
+                      </a:solidFill>
+                      <a:prstDash val="solid"/>
+                      <a:round/>
+                      <a:headEnd type="none" w="med" len="med"/>
+                      <a:tailEnd type="none" w="med" len="med"/>
+                    </a:lnL>
+                    <a:lnR w="12700" cap="flat" cmpd="sng" algn="ctr">
+                      <a:solidFill>
+                        <a:schemeClr val="tx1"/>
+                      </a:solidFill>
+                      <a:prstDash val="solid"/>
+                      <a:round/>
+                      <a:headEnd type="none" w="med" len="med"/>
+                      <a:tailEnd type="none" w="med" len="med"/>
+                    </a:lnR>
+                    <a:lnT w="6350" cap="flat" cmpd="sng" algn="ctr">
+                      <a:solidFill>
+                        <a:srgbClr val="8EA9DB"/>
+                      </a:solidFill>
+                      <a:prstDash val="solid"/>
+                      <a:round/>
+                      <a:headEnd type="none" w="med" len="med"/>
+                      <a:tailEnd type="none" w="med" len="med"/>
+                    </a:lnT>
+                    <a:lnB w="6350" cap="flat" cmpd="sng" algn="ctr">
+                      <a:solidFill>
+                        <a:srgbClr val="8EA9DB"/>
+                      </a:solidFill>
+                      <a:prstDash val="solid"/>
+                      <a:round/>
+                      <a:headEnd type="none" w="med" len="med"/>
+                      <a:tailEnd type="none" w="med" len="med"/>
+                    </a:lnB>
+                    <a:solidFill>
+                      <a:srgbClr val="D9E1F2"/>
+                    </a:solidFill>
+                  </a:tcPr>
+                </a:tc>
+                <a:extLst>
+                  <a:ext uri="{0D108BD9-81ED-4DB2-BD59-A6C34878D82A}">
+                    <a16:rowId xmlns:a16="http://schemas.microsoft.com/office/drawing/2014/main" val="558696191"/>
+                  </a:ext>
+                </a:extLst>
+              </a:tr>
+              <a:tr h="663028">
+                <a:tc>
+                  <a:txBody>
+                    <a:bodyPr/>
+                    <a:lstStyle/>
+                    <a:p>
+                      <a:pPr algn="ctr" fontAlgn="b"/>
+                      <a:r>
+                        <a:rPr lang="en-US" sz="3200" b="0" i="0" u="none" strike="noStrike" dirty="0">
+                          <a:solidFill>
+                            <a:srgbClr val="000000"/>
+                          </a:solidFill>
+                          <a:effectLst/>
+                          <a:latin typeface="Calibri" panose="020F0502020204030204" pitchFamily="34" charset="0"/>
+                        </a:rPr>
+                        <a:t>Player</a:t>
+                      </a:r>
+                    </a:p>
+                  </a:txBody>
+                  <a:tcPr marL="9525" marR="9525" marT="9525" marB="0" anchor="b">
+                    <a:lnL w="6350" cap="flat" cmpd="sng" algn="ctr">
+                      <a:solidFill>
+                        <a:srgbClr val="8EA9DB"/>
+                      </a:solidFill>
+                      <a:prstDash val="solid"/>
+                      <a:round/>
+                      <a:headEnd type="none" w="med" len="med"/>
+                      <a:tailEnd type="none" w="med" len="med"/>
+                    </a:lnL>
+                    <a:lnR w="12700" cap="flat" cmpd="sng" algn="ctr">
+                      <a:solidFill>
+                        <a:schemeClr val="tx1"/>
+                      </a:solidFill>
+                      <a:prstDash val="solid"/>
+                      <a:round/>
+                      <a:headEnd type="none" w="med" len="med"/>
+                      <a:tailEnd type="none" w="med" len="med"/>
+                    </a:lnR>
+                    <a:lnT w="6350" cap="flat" cmpd="sng" algn="ctr">
+                      <a:solidFill>
+                        <a:srgbClr val="8EA9DB"/>
+                      </a:solidFill>
+                      <a:prstDash val="solid"/>
+                      <a:round/>
+                      <a:headEnd type="none" w="med" len="med"/>
+                      <a:tailEnd type="none" w="med" len="med"/>
+                    </a:lnT>
+                    <a:lnB w="6350" cap="flat" cmpd="sng" algn="ctr">
+                      <a:solidFill>
+                        <a:srgbClr val="8EA9DB"/>
+                      </a:solidFill>
+                      <a:prstDash val="solid"/>
+                      <a:round/>
+                      <a:headEnd type="none" w="med" len="med"/>
+                      <a:tailEnd type="none" w="med" len="med"/>
+                    </a:lnB>
+                  </a:tcPr>
+                </a:tc>
+                <a:tc>
+                  <a:txBody>
+                    <a:bodyPr/>
+                    <a:lstStyle/>
+                    <a:p>
+                      <a:pPr algn="ctr" fontAlgn="b"/>
+                      <a:r>
+                        <a:rPr lang="en-US" sz="3200" b="0" i="0" u="none" strike="noStrike" dirty="0">
+                          <a:solidFill>
+                            <a:srgbClr val="000000"/>
+                          </a:solidFill>
+                          <a:effectLst/>
+                          <a:latin typeface="Calibri" panose="020F0502020204030204" pitchFamily="34" charset="0"/>
+                        </a:rPr>
+                        <a:t>57%</a:t>
+                      </a:r>
+                    </a:p>
+                  </a:txBody>
+                  <a:tcPr marL="9525" marR="9525" marT="9525" marB="0" anchor="b">
+                    <a:lnL w="12700" cap="flat" cmpd="sng" algn="ctr">
+                      <a:solidFill>
+                        <a:schemeClr val="tx1"/>
+                      </a:solidFill>
+                      <a:prstDash val="solid"/>
+                      <a:round/>
+                      <a:headEnd type="none" w="med" len="med"/>
+                      <a:tailEnd type="none" w="med" len="med"/>
+                    </a:lnL>
+                    <a:lnR w="12700" cap="flat" cmpd="sng" algn="ctr">
+                      <a:solidFill>
+                        <a:schemeClr val="tx1"/>
+                      </a:solidFill>
+                      <a:prstDash val="solid"/>
+                      <a:round/>
+                      <a:headEnd type="none" w="med" len="med"/>
+                      <a:tailEnd type="none" w="med" len="med"/>
+                    </a:lnR>
+                    <a:lnT w="6350" cap="flat" cmpd="sng" algn="ctr">
+                      <a:solidFill>
+                        <a:srgbClr val="8EA9DB"/>
+                      </a:solidFill>
+                      <a:prstDash val="solid"/>
+                      <a:round/>
+                      <a:headEnd type="none" w="med" len="med"/>
+                      <a:tailEnd type="none" w="med" len="med"/>
+                    </a:lnT>
+                    <a:lnB w="6350" cap="flat" cmpd="sng" algn="ctr">
+                      <a:solidFill>
+                        <a:srgbClr val="8EA9DB"/>
+                      </a:solidFill>
+                      <a:prstDash val="solid"/>
+                      <a:round/>
+                      <a:headEnd type="none" w="med" len="med"/>
+                      <a:tailEnd type="none" w="med" len="med"/>
+                    </a:lnB>
+                  </a:tcPr>
+                </a:tc>
+                <a:tc>
+                  <a:txBody>
+                    <a:bodyPr/>
+                    <a:lstStyle/>
+                    <a:p>
+                      <a:pPr algn="ctr" fontAlgn="b"/>
+                      <a:r>
+                        <a:rPr lang="en-US" sz="3200" b="0" i="0" u="none" strike="noStrike" dirty="0">
+                          <a:solidFill>
+                            <a:srgbClr val="000000"/>
+                          </a:solidFill>
+                          <a:effectLst/>
+                          <a:latin typeface="Calibri" panose="020F0502020204030204" pitchFamily="34" charset="0"/>
+                        </a:rPr>
+                        <a:t>14%</a:t>
+                      </a:r>
+                    </a:p>
+                  </a:txBody>
+                  <a:tcPr marL="9525" marR="9525" marT="9525" marB="0" anchor="b">
+                    <a:lnL w="12700" cap="flat" cmpd="sng" algn="ctr">
+                      <a:solidFill>
+                        <a:schemeClr val="tx1"/>
+                      </a:solidFill>
+                      <a:prstDash val="solid"/>
+                      <a:round/>
+                      <a:headEnd type="none" w="med" len="med"/>
+                      <a:tailEnd type="none" w="med" len="med"/>
+                    </a:lnL>
+                    <a:lnR w="12700" cap="flat" cmpd="sng" algn="ctr">
+                      <a:solidFill>
+                        <a:schemeClr val="tx1"/>
+                      </a:solidFill>
+                      <a:prstDash val="solid"/>
+                      <a:round/>
+                      <a:headEnd type="none" w="med" len="med"/>
+                      <a:tailEnd type="none" w="med" len="med"/>
+                    </a:lnR>
+                    <a:lnT w="6350" cap="flat" cmpd="sng" algn="ctr">
+                      <a:solidFill>
+                        <a:srgbClr val="8EA9DB"/>
+                      </a:solidFill>
+                      <a:prstDash val="solid"/>
+                      <a:round/>
+                      <a:headEnd type="none" w="med" len="med"/>
+                      <a:tailEnd type="none" w="med" len="med"/>
+                    </a:lnT>
+                    <a:lnB w="6350" cap="flat" cmpd="sng" algn="ctr">
+                      <a:solidFill>
+                        <a:srgbClr val="8EA9DB"/>
+                      </a:solidFill>
+                      <a:prstDash val="solid"/>
+                      <a:round/>
+                      <a:headEnd type="none" w="med" len="med"/>
+                      <a:tailEnd type="none" w="med" len="med"/>
+                    </a:lnB>
+                  </a:tcPr>
+                </a:tc>
+                <a:tc>
+                  <a:txBody>
+                    <a:bodyPr/>
+                    <a:lstStyle/>
+                    <a:p>
+                      <a:pPr algn="ctr" fontAlgn="b"/>
+                      <a:r>
+                        <a:rPr lang="en-US" sz="3200" b="0" i="0" u="none" strike="noStrike" dirty="0">
+                          <a:solidFill>
+                            <a:srgbClr val="000000"/>
+                          </a:solidFill>
+                          <a:effectLst/>
+                          <a:latin typeface="Calibri" panose="020F0502020204030204" pitchFamily="34" charset="0"/>
+                        </a:rPr>
+                        <a:t>25.50%</a:t>
+                      </a:r>
+                    </a:p>
+                  </a:txBody>
+                  <a:tcPr marL="9525" marR="9525" marT="9525" marB="0" anchor="b">
+                    <a:lnL w="12700" cap="flat" cmpd="sng" algn="ctr">
+                      <a:solidFill>
+                        <a:schemeClr val="tx1"/>
+                      </a:solidFill>
+                      <a:prstDash val="solid"/>
+                      <a:round/>
+                      <a:headEnd type="none" w="med" len="med"/>
+                      <a:tailEnd type="none" w="med" len="med"/>
+                    </a:lnL>
+                    <a:lnR w="12700" cap="flat" cmpd="sng" algn="ctr">
+                      <a:solidFill>
+                        <a:schemeClr val="tx1"/>
+                      </a:solidFill>
+                      <a:prstDash val="solid"/>
+                      <a:round/>
+                      <a:headEnd type="none" w="med" len="med"/>
+                      <a:tailEnd type="none" w="med" len="med"/>
+                    </a:lnR>
+                    <a:lnT w="6350" cap="flat" cmpd="sng" algn="ctr">
+                      <a:solidFill>
+                        <a:srgbClr val="8EA9DB"/>
+                      </a:solidFill>
+                      <a:prstDash val="solid"/>
+                      <a:round/>
+                      <a:headEnd type="none" w="med" len="med"/>
+                      <a:tailEnd type="none" w="med" len="med"/>
+                    </a:lnT>
+                    <a:lnB w="6350" cap="flat" cmpd="sng" algn="ctr">
+                      <a:solidFill>
+                        <a:srgbClr val="8EA9DB"/>
+                      </a:solidFill>
+                      <a:prstDash val="solid"/>
+                      <a:round/>
+                      <a:headEnd type="none" w="med" len="med"/>
+                      <a:tailEnd type="none" w="med" len="med"/>
+                    </a:lnB>
+                  </a:tcPr>
+                </a:tc>
+                <a:extLst>
+                  <a:ext uri="{0D108BD9-81ED-4DB2-BD59-A6C34878D82A}">
+                    <a16:rowId xmlns:a16="http://schemas.microsoft.com/office/drawing/2014/main" val="1327504271"/>
+                  </a:ext>
+                </a:extLst>
+              </a:tr>
+            </a:tbl>
           </a:graphicData>
         </a:graphic>
       </p:graphicFrame>
